--- a/user_manual/module/lgepr_sovos_invoice/lgepr_sovos_invoice_es.pptx
+++ b/user_manual/module/lgepr_sovos_invoice/lgepr_sovos_invoice_es.pptx
@@ -5,15 +5,17 @@
     <p:sldMasterId id="2147483924" r:id="rId1"/>
   </p:sldMasterIdLst>
   <p:notesMasterIdLst>
-    <p:notesMasterId r:id="rId5"/>
+    <p:notesMasterId r:id="rId7"/>
   </p:notesMasterIdLst>
   <p:handoutMasterIdLst>
-    <p:handoutMasterId r:id="rId6"/>
+    <p:handoutMasterId r:id="rId8"/>
   </p:handoutMasterIdLst>
   <p:sldIdLst>
     <p:sldId id="3496" r:id="rId2"/>
     <p:sldId id="3497" r:id="rId3"/>
-    <p:sldId id="3498" r:id="rId4"/>
+    <p:sldId id="3499" r:id="rId4"/>
+    <p:sldId id="3500" r:id="rId5"/>
+    <p:sldId id="3501" r:id="rId6"/>
   </p:sldIdLst>
   <p:sldSz cx="9906000" cy="6858000" type="A4"/>
   <p:notesSz cx="6807200" cy="9939338"/>
@@ -1319,7 +1321,231 @@
     </p:spTree>
     <p:extLst>
       <p:ext uri="{BB962C8B-B14F-4D97-AF65-F5344CB8AC3E}">
-        <p14:creationId xmlns:p14="http://schemas.microsoft.com/office/powerpoint/2010/main" val="2975454351"/>
+        <p14:creationId xmlns:p14="http://schemas.microsoft.com/office/powerpoint/2010/main" val="1969549196"/>
+      </p:ext>
+    </p:extLst>
+  </p:cSld>
+  <p:clrMapOvr>
+    <a:masterClrMapping/>
+  </p:clrMapOvr>
+</p:notes>
+</file>
+
+<file path=ppt/notesSlides/notesSlide4.xml><?xml version="1.0" encoding="utf-8"?>
+<p:notes xmlns:a="http://schemas.openxmlformats.org/drawingml/2006/main" xmlns:r="http://schemas.openxmlformats.org/officeDocument/2006/relationships" xmlns:p="http://schemas.openxmlformats.org/presentationml/2006/main">
+  <p:cSld>
+    <p:spTree>
+      <p:nvGrpSpPr>
+        <p:cNvPr id="1" name=""/>
+        <p:cNvGrpSpPr/>
+        <p:nvPr/>
+      </p:nvGrpSpPr>
+      <p:grpSpPr>
+        <a:xfrm>
+          <a:off x="0" y="0"/>
+          <a:ext cx="0" cy="0"/>
+          <a:chOff x="0" y="0"/>
+          <a:chExt cx="0" cy="0"/>
+        </a:xfrm>
+      </p:grpSpPr>
+      <p:sp>
+        <p:nvSpPr>
+          <p:cNvPr id="2" name="Slide Image Placeholder 1"/>
+          <p:cNvSpPr>
+            <a:spLocks noGrp="1" noRot="1" noChangeAspect="1"/>
+          </p:cNvSpPr>
+          <p:nvPr>
+            <p:ph type="sldImg"/>
+          </p:nvPr>
+        </p:nvSpPr>
+        <p:spPr/>
+      </p:sp>
+      <p:sp>
+        <p:nvSpPr>
+          <p:cNvPr id="3" name="Notes Placeholder 2"/>
+          <p:cNvSpPr>
+            <a:spLocks noGrp="1"/>
+          </p:cNvSpPr>
+          <p:nvPr>
+            <p:ph type="body" idx="1"/>
+          </p:nvPr>
+        </p:nvSpPr>
+        <p:spPr/>
+        <p:txBody>
+          <a:bodyPr/>
+          <a:lstStyle/>
+          <a:p>
+            <a:endParaRPr lang="es-PE" dirty="0"/>
+          </a:p>
+        </p:txBody>
+      </p:sp>
+      <p:sp>
+        <p:nvSpPr>
+          <p:cNvPr id="5" name="Footer Placeholder 4"/>
+          <p:cNvSpPr>
+            <a:spLocks noGrp="1"/>
+          </p:cNvSpPr>
+          <p:nvPr>
+            <p:ph type="ftr" sz="quarter" idx="10"/>
+          </p:nvPr>
+        </p:nvSpPr>
+        <p:spPr/>
+        <p:txBody>
+          <a:bodyPr/>
+          <a:lstStyle/>
+          <a:p>
+            <a:pPr>
+              <a:defRPr/>
+            </a:pPr>
+            <a:endParaRPr lang="en-US" altLang="ko-KR"/>
+          </a:p>
+        </p:txBody>
+      </p:sp>
+      <p:sp>
+        <p:nvSpPr>
+          <p:cNvPr id="6" name="Slide Number Placeholder 5"/>
+          <p:cNvSpPr>
+            <a:spLocks noGrp="1"/>
+          </p:cNvSpPr>
+          <p:nvPr>
+            <p:ph type="sldNum" sz="quarter" idx="11"/>
+          </p:nvPr>
+        </p:nvSpPr>
+        <p:spPr/>
+        <p:txBody>
+          <a:bodyPr/>
+          <a:lstStyle/>
+          <a:p>
+            <a:pPr>
+              <a:defRPr/>
+            </a:pPr>
+            <a:fld id="{BF31FCCA-1E47-432D-9574-A2A32471DD5A}" type="slidenum">
+              <a:rPr lang="en-US" altLang="ko-KR" smtClean="0"/>
+              <a:pPr>
+                <a:defRPr/>
+              </a:pPr>
+              <a:t>3</a:t>
+            </a:fld>
+            <a:endParaRPr lang="en-US" altLang="ko-KR"/>
+          </a:p>
+        </p:txBody>
+      </p:sp>
+    </p:spTree>
+    <p:extLst>
+      <p:ext uri="{BB962C8B-B14F-4D97-AF65-F5344CB8AC3E}">
+        <p14:creationId xmlns:p14="http://schemas.microsoft.com/office/powerpoint/2010/main" val="2136609758"/>
+      </p:ext>
+    </p:extLst>
+  </p:cSld>
+  <p:clrMapOvr>
+    <a:masterClrMapping/>
+  </p:clrMapOvr>
+</p:notes>
+</file>
+
+<file path=ppt/notesSlides/notesSlide5.xml><?xml version="1.0" encoding="utf-8"?>
+<p:notes xmlns:a="http://schemas.openxmlformats.org/drawingml/2006/main" xmlns:r="http://schemas.openxmlformats.org/officeDocument/2006/relationships" xmlns:p="http://schemas.openxmlformats.org/presentationml/2006/main">
+  <p:cSld>
+    <p:spTree>
+      <p:nvGrpSpPr>
+        <p:cNvPr id="1" name=""/>
+        <p:cNvGrpSpPr/>
+        <p:nvPr/>
+      </p:nvGrpSpPr>
+      <p:grpSpPr>
+        <a:xfrm>
+          <a:off x="0" y="0"/>
+          <a:ext cx="0" cy="0"/>
+          <a:chOff x="0" y="0"/>
+          <a:chExt cx="0" cy="0"/>
+        </a:xfrm>
+      </p:grpSpPr>
+      <p:sp>
+        <p:nvSpPr>
+          <p:cNvPr id="2" name="Slide Image Placeholder 1"/>
+          <p:cNvSpPr>
+            <a:spLocks noGrp="1" noRot="1" noChangeAspect="1"/>
+          </p:cNvSpPr>
+          <p:nvPr>
+            <p:ph type="sldImg"/>
+          </p:nvPr>
+        </p:nvSpPr>
+        <p:spPr/>
+      </p:sp>
+      <p:sp>
+        <p:nvSpPr>
+          <p:cNvPr id="3" name="Notes Placeholder 2"/>
+          <p:cNvSpPr>
+            <a:spLocks noGrp="1"/>
+          </p:cNvSpPr>
+          <p:nvPr>
+            <p:ph type="body" idx="1"/>
+          </p:nvPr>
+        </p:nvSpPr>
+        <p:spPr/>
+        <p:txBody>
+          <a:bodyPr/>
+          <a:lstStyle/>
+          <a:p>
+            <a:endParaRPr lang="es-PE" dirty="0"/>
+          </a:p>
+        </p:txBody>
+      </p:sp>
+      <p:sp>
+        <p:nvSpPr>
+          <p:cNvPr id="5" name="Footer Placeholder 4"/>
+          <p:cNvSpPr>
+            <a:spLocks noGrp="1"/>
+          </p:cNvSpPr>
+          <p:nvPr>
+            <p:ph type="ftr" sz="quarter" idx="10"/>
+          </p:nvPr>
+        </p:nvSpPr>
+        <p:spPr/>
+        <p:txBody>
+          <a:bodyPr/>
+          <a:lstStyle/>
+          <a:p>
+            <a:pPr>
+              <a:defRPr/>
+            </a:pPr>
+            <a:endParaRPr lang="en-US" altLang="ko-KR"/>
+          </a:p>
+        </p:txBody>
+      </p:sp>
+      <p:sp>
+        <p:nvSpPr>
+          <p:cNvPr id="6" name="Slide Number Placeholder 5"/>
+          <p:cNvSpPr>
+            <a:spLocks noGrp="1"/>
+          </p:cNvSpPr>
+          <p:nvPr>
+            <p:ph type="sldNum" sz="quarter" idx="11"/>
+          </p:nvPr>
+        </p:nvSpPr>
+        <p:spPr/>
+        <p:txBody>
+          <a:bodyPr/>
+          <a:lstStyle/>
+          <a:p>
+            <a:pPr>
+              <a:defRPr/>
+            </a:pPr>
+            <a:fld id="{BF31FCCA-1E47-432D-9574-A2A32471DD5A}" type="slidenum">
+              <a:rPr lang="en-US" altLang="ko-KR" smtClean="0"/>
+              <a:pPr>
+                <a:defRPr/>
+              </a:pPr>
+              <a:t>4</a:t>
+            </a:fld>
+            <a:endParaRPr lang="en-US" altLang="ko-KR"/>
+          </a:p>
+        </p:txBody>
+      </p:sp>
+    </p:spTree>
+    <p:extLst>
+      <p:ext uri="{BB962C8B-B14F-4D97-AF65-F5344CB8AC3E}">
+        <p14:creationId xmlns:p14="http://schemas.microsoft.com/office/powerpoint/2010/main" val="1709256849"/>
       </p:ext>
     </p:extLst>
   </p:cSld>
@@ -2763,7 +2989,7 @@
       </p:grpSpPr>
       <p:pic>
         <p:nvPicPr>
-          <p:cNvPr id="3" name="Picture 2"/>
+          <p:cNvPr id="2" name="Picture 1"/>
           <p:cNvPicPr>
             <a:picLocks noChangeAspect="1"/>
           </p:cNvPicPr>
@@ -2777,8 +3003,8 @@
         </p:blipFill>
         <p:spPr>
           <a:xfrm>
-            <a:off x="128464" y="1635164"/>
-            <a:ext cx="6628783" cy="1794059"/>
+            <a:off x="1135406" y="970762"/>
+            <a:ext cx="4392857" cy="5442621"/>
           </a:xfrm>
           <a:prstGeom prst="rect">
             <a:avLst/>
@@ -2833,7 +3059,7 @@
         <p:spPr bwMode="auto">
           <a:xfrm>
             <a:off x="85061" y="908720"/>
-            <a:ext cx="6812155" cy="5566706"/>
+            <a:ext cx="6452115" cy="5566706"/>
           </a:xfrm>
           <a:prstGeom prst="roundRect">
             <a:avLst>
@@ -2878,8 +3104,8 @@
         </p:nvSpPr>
         <p:spPr bwMode="auto">
           <a:xfrm>
-            <a:off x="6967874" y="908720"/>
-            <a:ext cx="2868006" cy="5570984"/>
+            <a:off x="6681192" y="908720"/>
+            <a:ext cx="3154688" cy="5570984"/>
           </a:xfrm>
           <a:prstGeom prst="roundRect">
             <a:avLst>
@@ -2924,7 +3150,7 @@
         </p:nvSpPr>
         <p:spPr>
           <a:xfrm>
-            <a:off x="199121" y="2304332"/>
+            <a:off x="854907" y="1616527"/>
             <a:ext cx="209841" cy="175097"/>
           </a:xfrm>
           <a:prstGeom prst="ellipse">
@@ -2984,8 +3210,8 @@
         </p:nvSpPr>
         <p:spPr>
           <a:xfrm>
-            <a:off x="6940619" y="1724615"/>
-            <a:ext cx="2915052" cy="1754326"/>
+            <a:off x="6753200" y="1724615"/>
+            <a:ext cx="3102471" cy="2308324"/>
           </a:xfrm>
           <a:prstGeom prst="rect">
             <a:avLst/>
@@ -3044,22 +3270,12 @@
                 <a:latin typeface="맑은 고딕" pitchFamily="50" charset="-127"/>
                 <a:ea typeface="맑은 고딕" pitchFamily="50" charset="-127"/>
               </a:rPr>
-              <a:t>Módulo que permite conectarse con el </a:t>
-            </a:r>
-            <a:r>
-              <a:rPr lang="es-PE" sz="1200" dirty="0" err="1" smtClean="0">
-                <a:latin typeface="맑은 고딕" pitchFamily="50" charset="-127"/>
-                <a:ea typeface="맑은 고딕" pitchFamily="50" charset="-127"/>
-              </a:rPr>
-              <a:t>WebService</a:t>
-            </a:r>
-            <a:r>
-              <a:rPr lang="es-PE" sz="1200" dirty="0" smtClean="0">
-                <a:latin typeface="맑은 고딕" pitchFamily="50" charset="-127"/>
-                <a:ea typeface="맑은 고딕" pitchFamily="50" charset="-127"/>
-              </a:rPr>
-              <a:t> de SOVOS y poder descargar los archivos PDF y XML.</a:t>
-            </a:r>
+              <a:t>Formulario para búsqueda individual.</a:t>
+            </a:r>
+            <a:endParaRPr lang="es-PE" sz="1200" dirty="0" smtClean="0">
+              <a:latin typeface="맑은 고딕" pitchFamily="50" charset="-127"/>
+              <a:ea typeface="맑은 고딕" pitchFamily="50" charset="-127"/>
+            </a:endParaRPr>
           </a:p>
           <a:p>
             <a:pPr marL="228600" indent="-228600">
@@ -3071,15 +3287,19 @@
                 <a:latin typeface="맑은 고딕" pitchFamily="50" charset="-127"/>
                 <a:ea typeface="맑은 고딕" pitchFamily="50" charset="-127"/>
               </a:rPr>
-              <a:t>Selector </a:t>
+              <a:t>Selector de tipo de documento a buscar dentro de </a:t>
             </a:r>
             <a:r>
               <a:rPr lang="es-PE" sz="1200" dirty="0" smtClean="0">
                 <a:latin typeface="맑은 고딕" pitchFamily="50" charset="-127"/>
                 <a:ea typeface="맑은 고딕" pitchFamily="50" charset="-127"/>
               </a:rPr>
-              <a:t>de tipo de documento a buscar dentro de SOVOS.</a:t>
-            </a:r>
+              <a:t>SOVOS.</a:t>
+            </a:r>
+            <a:endParaRPr lang="es-PE" sz="1200" dirty="0" smtClean="0">
+              <a:latin typeface="맑은 고딕" pitchFamily="50" charset="-127"/>
+              <a:ea typeface="맑은 고딕" pitchFamily="50" charset="-127"/>
+            </a:endParaRPr>
           </a:p>
           <a:p>
             <a:pPr marL="228600" indent="-228600">
@@ -3091,7 +3311,14 @@
                 <a:latin typeface="맑은 고딕" pitchFamily="50" charset="-127"/>
                 <a:ea typeface="맑은 고딕" pitchFamily="50" charset="-127"/>
               </a:rPr>
-              <a:t>Tipo de archivo que se descargará.</a:t>
+              <a:t>Escribir el número de documento que necesites descargar</a:t>
+            </a:r>
+            <a:r>
+              <a:rPr lang="es-PE" sz="1200" dirty="0" smtClean="0">
+                <a:latin typeface="맑은 고딕" pitchFamily="50" charset="-127"/>
+                <a:ea typeface="맑은 고딕" pitchFamily="50" charset="-127"/>
+              </a:rPr>
+              <a:t>.</a:t>
             </a:r>
           </a:p>
           <a:p>
@@ -3104,7 +3331,103 @@
                 <a:latin typeface="맑은 고딕" pitchFamily="50" charset="-127"/>
                 <a:ea typeface="맑은 고딕" pitchFamily="50" charset="-127"/>
               </a:rPr>
-              <a:t>Escribir el número de documento que necesites descargar.</a:t>
+              <a:t>Se muestra el </a:t>
+            </a:r>
+            <a:r>
+              <a:rPr lang="es-PE" sz="1200" dirty="0" err="1" smtClean="0">
+                <a:latin typeface="맑은 고딕" pitchFamily="50" charset="-127"/>
+                <a:ea typeface="맑은 고딕" pitchFamily="50" charset="-127"/>
+              </a:rPr>
+              <a:t>url</a:t>
+            </a:r>
+            <a:r>
+              <a:rPr lang="es-PE" sz="1200" dirty="0" smtClean="0">
+                <a:latin typeface="맑은 고딕" pitchFamily="50" charset="-127"/>
+                <a:ea typeface="맑은 고딕" pitchFamily="50" charset="-127"/>
+              </a:rPr>
+              <a:t> del archivo PDF.</a:t>
+            </a:r>
+          </a:p>
+          <a:p>
+            <a:pPr marL="228600" indent="-228600">
+              <a:buFont typeface="+mj-lt"/>
+              <a:buAutoNum type="arabicPeriod"/>
+            </a:pPr>
+            <a:r>
+              <a:rPr lang="es-PE" sz="1200" dirty="0" smtClean="0">
+                <a:latin typeface="맑은 고딕" pitchFamily="50" charset="-127"/>
+                <a:ea typeface="맑은 고딕" pitchFamily="50" charset="-127"/>
+              </a:rPr>
+              <a:t>Se muestra el </a:t>
+            </a:r>
+            <a:r>
+              <a:rPr lang="es-PE" sz="1200" dirty="0" err="1" smtClean="0">
+                <a:latin typeface="맑은 고딕" pitchFamily="50" charset="-127"/>
+                <a:ea typeface="맑은 고딕" pitchFamily="50" charset="-127"/>
+              </a:rPr>
+              <a:t>url</a:t>
+            </a:r>
+            <a:r>
+              <a:rPr lang="es-PE" sz="1200" dirty="0" smtClean="0">
+                <a:latin typeface="맑은 고딕" pitchFamily="50" charset="-127"/>
+                <a:ea typeface="맑은 고딕" pitchFamily="50" charset="-127"/>
+              </a:rPr>
+              <a:t> del archivo XML</a:t>
+            </a:r>
+          </a:p>
+          <a:p>
+            <a:pPr marL="228600" indent="-228600">
+              <a:buFont typeface="+mj-lt"/>
+              <a:buAutoNum type="arabicPeriod"/>
+            </a:pPr>
+            <a:r>
+              <a:rPr lang="es-PE" sz="1200" dirty="0" smtClean="0">
+                <a:latin typeface="맑은 고딕" pitchFamily="50" charset="-127"/>
+                <a:ea typeface="맑은 고딕" pitchFamily="50" charset="-127"/>
+              </a:rPr>
+              <a:t>Una vez seleccione el tipo de documento y escrito el número, dar </a:t>
+            </a:r>
+            <a:r>
+              <a:rPr lang="es-PE" sz="1200" dirty="0" err="1" smtClean="0">
+                <a:latin typeface="맑은 고딕" pitchFamily="50" charset="-127"/>
+                <a:ea typeface="맑은 고딕" pitchFamily="50" charset="-127"/>
+              </a:rPr>
+              <a:t>click</a:t>
+            </a:r>
+            <a:r>
+              <a:rPr lang="es-PE" sz="1200" dirty="0" smtClean="0">
+                <a:latin typeface="맑은 고딕" pitchFamily="50" charset="-127"/>
+                <a:ea typeface="맑은 고딕" pitchFamily="50" charset="-127"/>
+              </a:rPr>
+              <a:t> en </a:t>
+            </a:r>
+            <a:r>
+              <a:rPr lang="es-PE" sz="1200" dirty="0" err="1" smtClean="0">
+                <a:latin typeface="맑은 고딕" pitchFamily="50" charset="-127"/>
+                <a:ea typeface="맑은 고딕" pitchFamily="50" charset="-127"/>
+              </a:rPr>
+              <a:t>find</a:t>
+            </a:r>
+            <a:r>
+              <a:rPr lang="es-PE" sz="1200" dirty="0" smtClean="0">
+                <a:latin typeface="맑은 고딕" pitchFamily="50" charset="-127"/>
+                <a:ea typeface="맑은 고딕" pitchFamily="50" charset="-127"/>
+              </a:rPr>
+              <a:t> </a:t>
+            </a:r>
+            <a:r>
+              <a:rPr lang="es-PE" sz="1200" dirty="0" err="1" smtClean="0">
+                <a:latin typeface="맑은 고딕" pitchFamily="50" charset="-127"/>
+                <a:ea typeface="맑은 고딕" pitchFamily="50" charset="-127"/>
+              </a:rPr>
+              <a:t>document</a:t>
+            </a:r>
+            <a:r>
+              <a:rPr lang="es-PE" sz="1200" dirty="0" smtClean="0">
+                <a:latin typeface="맑은 고딕" pitchFamily="50" charset="-127"/>
+                <a:ea typeface="맑은 고딕" pitchFamily="50" charset="-127"/>
+              </a:rPr>
+              <a:t> para buscar el archivo solicitado.</a:t>
             </a:r>
             <a:endParaRPr lang="es-PE" sz="1200" dirty="0">
               <a:latin typeface="맑은 고딕" pitchFamily="50" charset="-127"/>
@@ -3121,7 +3444,7 @@
         </p:nvSpPr>
         <p:spPr>
           <a:xfrm>
-            <a:off x="2327799" y="2304333"/>
+            <a:off x="854907" y="3842422"/>
             <a:ext cx="209841" cy="175097"/>
           </a:xfrm>
           <a:prstGeom prst="ellipse">
@@ -3181,7 +3504,7 @@
         </p:nvSpPr>
         <p:spPr>
           <a:xfrm>
-            <a:off x="4431981" y="2308232"/>
+            <a:off x="854906" y="4797152"/>
             <a:ext cx="209841" cy="175097"/>
           </a:xfrm>
           <a:prstGeom prst="ellipse">
@@ -3241,7 +3564,7 @@
         </p:nvSpPr>
         <p:spPr>
           <a:xfrm>
-            <a:off x="3335773" y="3172049"/>
+            <a:off x="854905" y="5461192"/>
             <a:ext cx="209841" cy="175097"/>
           </a:xfrm>
           <a:prstGeom prst="ellipse">
@@ -3285,174 +3608,6 @@
                 <a:ea typeface="맑은 고딕" pitchFamily="50" charset="-127"/>
               </a:rPr>
               <a:t>4</a:t>
-            </a:r>
-            <a:endParaRPr lang="ko-KR" altLang="en-US" sz="1200" b="1" dirty="0">
-              <a:latin typeface="맑은 고딕" pitchFamily="50" charset="-127"/>
-              <a:ea typeface="맑은 고딕" pitchFamily="50" charset="-127"/>
-            </a:endParaRPr>
-          </a:p>
-        </p:txBody>
-      </p:sp>
-      <p:pic>
-        <p:nvPicPr>
-          <p:cNvPr id="8" name="Picture 7"/>
-          <p:cNvPicPr>
-            <a:picLocks noChangeAspect="1"/>
-          </p:cNvPicPr>
-          <p:nvPr/>
-        </p:nvPicPr>
-        <p:blipFill>
-          <a:blip r:embed="rId4"/>
-          <a:stretch>
-            <a:fillRect/>
-          </a:stretch>
-        </p:blipFill>
-        <p:spPr>
-          <a:xfrm>
-            <a:off x="191431" y="3832228"/>
-            <a:ext cx="2241289" cy="2280733"/>
-          </a:xfrm>
-          <a:prstGeom prst="rect">
-            <a:avLst/>
-          </a:prstGeom>
-        </p:spPr>
-      </p:pic>
-      <p:pic>
-        <p:nvPicPr>
-          <p:cNvPr id="9" name="Picture 8"/>
-          <p:cNvPicPr>
-            <a:picLocks noChangeAspect="1"/>
-          </p:cNvPicPr>
-          <p:nvPr/>
-        </p:nvPicPr>
-        <p:blipFill>
-          <a:blip r:embed="rId5"/>
-          <a:stretch>
-            <a:fillRect/>
-          </a:stretch>
-        </p:blipFill>
-        <p:spPr>
-          <a:xfrm>
-            <a:off x="2483266" y="3832228"/>
-            <a:ext cx="2124696" cy="1093290"/>
-          </a:xfrm>
-          <a:prstGeom prst="rect">
-            <a:avLst/>
-          </a:prstGeom>
-        </p:spPr>
-      </p:pic>
-      <p:sp>
-        <p:nvSpPr>
-          <p:cNvPr id="24" name="타원 73"/>
-          <p:cNvSpPr/>
-          <p:nvPr/>
-        </p:nvSpPr>
-        <p:spPr>
-          <a:xfrm>
-            <a:off x="199121" y="3657131"/>
-            <a:ext cx="209841" cy="175097"/>
-          </a:xfrm>
-          <a:prstGeom prst="ellipse">
-            <a:avLst/>
-          </a:prstGeom>
-          <a:solidFill>
-            <a:srgbClr val="C00000"/>
-          </a:solidFill>
-          <a:ln>
-            <a:solidFill>
-              <a:srgbClr val="C00000"/>
-            </a:solidFill>
-          </a:ln>
-        </p:spPr>
-        <p:style>
-          <a:lnRef idx="2">
-            <a:schemeClr val="accent1">
-              <a:shade val="50000"/>
-            </a:schemeClr>
-          </a:lnRef>
-          <a:fillRef idx="1">
-            <a:schemeClr val="accent1"/>
-          </a:fillRef>
-          <a:effectRef idx="0">
-            <a:schemeClr val="accent1"/>
-          </a:effectRef>
-          <a:fontRef idx="minor">
-            <a:schemeClr val="lt1"/>
-          </a:fontRef>
-        </p:style>
-        <p:txBody>
-          <a:bodyPr anchor="ctr"/>
-          <a:lstStyle/>
-          <a:p>
-            <a:pPr algn="ctr" eaLnBrk="1" latinLnBrk="1" hangingPunct="1">
-              <a:defRPr/>
-            </a:pPr>
-            <a:r>
-              <a:rPr lang="en-US" altLang="ko-KR" sz="1200" b="1" dirty="0">
-                <a:latin typeface="맑은 고딕" pitchFamily="50" charset="-127"/>
-                <a:ea typeface="맑은 고딕" pitchFamily="50" charset="-127"/>
-              </a:rPr>
-              <a:t>1</a:t>
-            </a:r>
-            <a:endParaRPr lang="ko-KR" altLang="en-US" sz="1200" b="1" dirty="0">
-              <a:latin typeface="맑은 고딕" pitchFamily="50" charset="-127"/>
-              <a:ea typeface="맑은 고딕" pitchFamily="50" charset="-127"/>
-            </a:endParaRPr>
-          </a:p>
-        </p:txBody>
-      </p:sp>
-      <p:sp>
-        <p:nvSpPr>
-          <p:cNvPr id="25" name="타원 73"/>
-          <p:cNvSpPr/>
-          <p:nvPr/>
-        </p:nvSpPr>
-        <p:spPr>
-          <a:xfrm>
-            <a:off x="2327799" y="3692073"/>
-            <a:ext cx="209841" cy="175097"/>
-          </a:xfrm>
-          <a:prstGeom prst="ellipse">
-            <a:avLst/>
-          </a:prstGeom>
-          <a:solidFill>
-            <a:srgbClr val="C00000"/>
-          </a:solidFill>
-          <a:ln>
-            <a:solidFill>
-              <a:srgbClr val="C00000"/>
-            </a:solidFill>
-          </a:ln>
-        </p:spPr>
-        <p:style>
-          <a:lnRef idx="2">
-            <a:schemeClr val="accent1">
-              <a:shade val="50000"/>
-            </a:schemeClr>
-          </a:lnRef>
-          <a:fillRef idx="1">
-            <a:schemeClr val="accent1"/>
-          </a:fillRef>
-          <a:effectRef idx="0">
-            <a:schemeClr val="accent1"/>
-          </a:effectRef>
-          <a:fontRef idx="minor">
-            <a:schemeClr val="lt1"/>
-          </a:fontRef>
-        </p:style>
-        <p:txBody>
-          <a:bodyPr anchor="ctr"/>
-          <a:lstStyle/>
-          <a:p>
-            <a:pPr algn="ctr" eaLnBrk="1" latinLnBrk="1" hangingPunct="1">
-              <a:defRPr/>
-            </a:pPr>
-            <a:r>
-              <a:rPr lang="en-US" altLang="ko-KR" sz="1200" b="1" dirty="0" smtClean="0">
-                <a:latin typeface="맑은 고딕" pitchFamily="50" charset="-127"/>
-                <a:ea typeface="맑은 고딕" pitchFamily="50" charset="-127"/>
-              </a:rPr>
-              <a:t>2</a:t>
             </a:r>
             <a:endParaRPr lang="ko-KR" altLang="en-US" sz="1200" b="1" dirty="0">
               <a:latin typeface="맑은 고딕" pitchFamily="50" charset="-127"/>
@@ -3514,8 +3669,8 @@
         </p:blipFill>
         <p:spPr>
           <a:xfrm>
-            <a:off x="1803091" y="1258452"/>
-            <a:ext cx="3024336" cy="2132808"/>
+            <a:off x="1787784" y="1175033"/>
+            <a:ext cx="3276961" cy="2106123"/>
           </a:xfrm>
           <a:prstGeom prst="rect">
             <a:avLst/>
@@ -3524,7 +3679,7 @@
       </p:pic>
       <p:pic>
         <p:nvPicPr>
-          <p:cNvPr id="7" name="Picture 6"/>
+          <p:cNvPr id="6" name="Picture 5"/>
           <p:cNvPicPr>
             <a:picLocks noChangeAspect="1"/>
           </p:cNvPicPr>
@@ -3538,8 +3693,8 @@
         </p:blipFill>
         <p:spPr>
           <a:xfrm>
-            <a:off x="228984" y="4105536"/>
-            <a:ext cx="6172550" cy="1246193"/>
+            <a:off x="959825" y="3503790"/>
+            <a:ext cx="4934639" cy="2267266"/>
           </a:xfrm>
           <a:prstGeom prst="rect">
             <a:avLst/>
@@ -3594,7 +3749,7 @@
         <p:spPr bwMode="auto">
           <a:xfrm>
             <a:off x="85061" y="908720"/>
-            <a:ext cx="6460397" cy="5566706"/>
+            <a:ext cx="6308099" cy="5566706"/>
           </a:xfrm>
           <a:prstGeom prst="roundRect">
             <a:avLst>
@@ -3639,8 +3794,8 @@
         </p:nvSpPr>
         <p:spPr bwMode="auto">
           <a:xfrm>
-            <a:off x="6689381" y="908720"/>
-            <a:ext cx="3146499" cy="5570984"/>
+            <a:off x="6511088" y="908720"/>
+            <a:ext cx="3324792" cy="5570984"/>
           </a:xfrm>
           <a:prstGeom prst="roundRect">
             <a:avLst>
@@ -3685,7 +3840,7 @@
         </p:nvSpPr>
         <p:spPr>
           <a:xfrm>
-            <a:off x="1593249" y="1319222"/>
+            <a:off x="677975" y="1820225"/>
             <a:ext cx="209841" cy="175097"/>
           </a:xfrm>
           <a:prstGeom prst="ellipse">
@@ -3745,8 +3900,8 @@
         </p:nvSpPr>
         <p:spPr>
           <a:xfrm>
-            <a:off x="6689828" y="1484784"/>
-            <a:ext cx="3146051" cy="1384995"/>
+            <a:off x="6511088" y="1724615"/>
+            <a:ext cx="3344583" cy="2308324"/>
           </a:xfrm>
           <a:prstGeom prst="rect">
             <a:avLst/>
@@ -3760,32 +3915,39 @@
           <a:lstStyle/>
           <a:p>
             <a:r>
-              <a:rPr lang="es-PE" sz="1200" b="1" dirty="0" smtClean="0">
-                <a:latin typeface="맑은 고딕" pitchFamily="50" charset="-127"/>
-                <a:ea typeface="맑은 고딕" pitchFamily="50" charset="-127"/>
-              </a:rPr>
-              <a:t>LGPER </a:t>
-            </a:r>
-            <a:r>
-              <a:rPr lang="es-PE" sz="1200" b="1" dirty="0" err="1" smtClean="0">
+              <a:rPr lang="es-PE" sz="1200" b="1" dirty="0">
+                <a:latin typeface="맑은 고딕" pitchFamily="50" charset="-127"/>
+                <a:ea typeface="맑은 고딕" pitchFamily="50" charset="-127"/>
+              </a:rPr>
+              <a:t>LGEPR </a:t>
+            </a:r>
+            <a:r>
+              <a:rPr lang="es-PE" sz="1200" b="1" dirty="0" err="1">
                 <a:latin typeface="맑은 고딕" pitchFamily="50" charset="-127"/>
                 <a:ea typeface="맑은 고딕" pitchFamily="50" charset="-127"/>
               </a:rPr>
               <a:t>Sovos</a:t>
             </a:r>
             <a:r>
-              <a:rPr lang="es-PE" sz="1200" b="1" dirty="0" smtClean="0">
+              <a:rPr lang="es-PE" sz="1200" b="1" dirty="0">
                 <a:latin typeface="맑은 고딕" pitchFamily="50" charset="-127"/>
                 <a:ea typeface="맑은 고딕" pitchFamily="50" charset="-127"/>
               </a:rPr>
               <a:t> </a:t>
             </a:r>
             <a:r>
-              <a:rPr lang="es-PE" sz="1200" b="1" dirty="0" err="1" smtClean="0">
+              <a:rPr lang="es-PE" sz="1200" b="1" dirty="0" err="1">
                 <a:latin typeface="맑은 고딕" pitchFamily="50" charset="-127"/>
                 <a:ea typeface="맑은 고딕" pitchFamily="50" charset="-127"/>
               </a:rPr>
               <a:t>Invoice</a:t>
+            </a:r>
+            <a:r>
+              <a:rPr lang="es-PE" sz="1200" b="1" dirty="0">
+                <a:latin typeface="맑은 고딕" pitchFamily="50" charset="-127"/>
+                <a:ea typeface="맑은 고딕" pitchFamily="50" charset="-127"/>
+              </a:rPr>
+              <a:t> </a:t>
             </a:r>
             <a:endParaRPr lang="es-PE" sz="1200" b="1" dirty="0" smtClean="0">
               <a:latin typeface="맑은 고딕" pitchFamily="50" charset="-127"/>
@@ -3793,7 +3955,21 @@
             </a:endParaRPr>
           </a:p>
           <a:p>
+            <a:r>
+              <a:rPr lang="es-PE" sz="1200" dirty="0" smtClean="0">
+                <a:latin typeface="맑은 고딕" pitchFamily="50" charset="-127"/>
+                <a:ea typeface="맑은 고딕" pitchFamily="50" charset="-127"/>
+              </a:rPr>
+              <a:t>Formulario para búsqueda individual-.</a:t>
+            </a:r>
+            <a:endParaRPr lang="es-PE" sz="1200" dirty="0" smtClean="0">
+              <a:latin typeface="맑은 고딕" pitchFamily="50" charset="-127"/>
+              <a:ea typeface="맑은 고딕" pitchFamily="50" charset="-127"/>
+            </a:endParaRPr>
+          </a:p>
+          <a:p>
             <a:pPr marL="228600" indent="-228600">
+              <a:buFont typeface="+mj-lt"/>
               <a:buAutoNum type="arabicPeriod"/>
             </a:pPr>
             <a:r>
@@ -3801,11 +3977,30 @@
                 <a:latin typeface="맑은 고딕" pitchFamily="50" charset="-127"/>
                 <a:ea typeface="맑은 고딕" pitchFamily="50" charset="-127"/>
               </a:rPr>
-              <a:t>Si se encontró el numero de documento aparece este mensaje.</a:t>
-            </a:r>
+              <a:t>Mensaje </a:t>
+            </a:r>
+            <a:r>
+              <a:rPr lang="es-PE" sz="1200" dirty="0" err="1" smtClean="0">
+                <a:latin typeface="맑은 고딕" pitchFamily="50" charset="-127"/>
+                <a:ea typeface="맑은 고딕" pitchFamily="50" charset="-127"/>
+              </a:rPr>
+              <a:t>success</a:t>
+            </a:r>
+            <a:r>
+              <a:rPr lang="es-PE" sz="1200" dirty="0" smtClean="0">
+                <a:latin typeface="맑은 고딕" pitchFamily="50" charset="-127"/>
+                <a:ea typeface="맑은 고딕" pitchFamily="50" charset="-127"/>
+              </a:rPr>
+              <a:t> que indica que se encontró los documentos solicitados.</a:t>
+            </a:r>
+            <a:endParaRPr lang="es-PE" sz="1200" dirty="0" smtClean="0">
+              <a:latin typeface="맑은 고딕" pitchFamily="50" charset="-127"/>
+              <a:ea typeface="맑은 고딕" pitchFamily="50" charset="-127"/>
+            </a:endParaRPr>
           </a:p>
           <a:p>
             <a:pPr marL="228600" indent="-228600">
+              <a:buFont typeface="+mj-lt"/>
               <a:buAutoNum type="arabicPeriod"/>
             </a:pPr>
             <a:r>
@@ -3813,32 +4008,97 @@
                 <a:latin typeface="맑은 고딕" pitchFamily="50" charset="-127"/>
                 <a:ea typeface="맑은 고딕" pitchFamily="50" charset="-127"/>
               </a:rPr>
-              <a:t>Aparecerá </a:t>
+              <a:t>Muestra el </a:t>
+            </a:r>
+            <a:r>
+              <a:rPr lang="es-PE" sz="1200" dirty="0" err="1" smtClean="0">
+                <a:latin typeface="맑은 고딕" pitchFamily="50" charset="-127"/>
+                <a:ea typeface="맑은 고딕" pitchFamily="50" charset="-127"/>
+              </a:rPr>
+              <a:t>url</a:t>
             </a:r>
             <a:r>
               <a:rPr lang="es-PE" sz="1200" dirty="0" smtClean="0">
                 <a:latin typeface="맑은 고딕" pitchFamily="50" charset="-127"/>
                 <a:ea typeface="맑은 고딕" pitchFamily="50" charset="-127"/>
               </a:rPr>
-              <a:t>el botón de descarga para el tipo de archivo seleccionado..</a:t>
+              <a:t> del archivo PDF.</a:t>
+            </a:r>
+          </a:p>
+          <a:p>
+            <a:pPr marL="228600" indent="-228600">
+              <a:buFont typeface="+mj-lt"/>
+              <a:buAutoNum type="arabicPeriod"/>
+            </a:pPr>
+            <a:r>
+              <a:rPr lang="es-PE" sz="1200" dirty="0" smtClean="0">
+                <a:latin typeface="맑은 고딕" pitchFamily="50" charset="-127"/>
+                <a:ea typeface="맑은 고딕" pitchFamily="50" charset="-127"/>
+              </a:rPr>
+              <a:t>Muestra el </a:t>
+            </a:r>
+            <a:r>
+              <a:rPr lang="es-PE" sz="1200" dirty="0" err="1" smtClean="0">
+                <a:latin typeface="맑은 고딕" pitchFamily="50" charset="-127"/>
+                <a:ea typeface="맑은 고딕" pitchFamily="50" charset="-127"/>
+              </a:rPr>
+              <a:t>url</a:t>
+            </a:r>
+            <a:r>
+              <a:rPr lang="es-PE" sz="1200" dirty="0" smtClean="0">
+                <a:latin typeface="맑은 고딕" pitchFamily="50" charset="-127"/>
+                <a:ea typeface="맑은 고딕" pitchFamily="50" charset="-127"/>
+              </a:rPr>
+              <a:t> del archivo XML.</a:t>
+            </a:r>
+          </a:p>
+          <a:p>
+            <a:pPr marL="228600" indent="-228600">
+              <a:buFont typeface="+mj-lt"/>
+              <a:buAutoNum type="arabicPeriod"/>
+            </a:pPr>
+            <a:r>
+              <a:rPr lang="es-PE" sz="1200" dirty="0" smtClean="0">
+                <a:latin typeface="맑은 고딕" pitchFamily="50" charset="-127"/>
+                <a:ea typeface="맑은 고딕" pitchFamily="50" charset="-127"/>
+              </a:rPr>
+              <a:t>Botón para abrir el link del archivo PDF y poder descargarlo.</a:t>
+            </a:r>
+            <a:endParaRPr lang="es-PE" sz="1200" dirty="0" smtClean="0">
+              <a:latin typeface="맑은 고딕" pitchFamily="50" charset="-127"/>
+              <a:ea typeface="맑은 고딕" pitchFamily="50" charset="-127"/>
+            </a:endParaRPr>
+          </a:p>
+          <a:p>
+            <a:pPr marL="228600" indent="-228600">
+              <a:buFont typeface="+mj-lt"/>
+              <a:buAutoNum type="arabicPeriod"/>
+            </a:pPr>
+            <a:r>
+              <a:rPr lang="es-PE" sz="1200" dirty="0" smtClean="0">
+                <a:latin typeface="맑은 고딕" pitchFamily="50" charset="-127"/>
+                <a:ea typeface="맑은 고딕" pitchFamily="50" charset="-127"/>
+              </a:rPr>
+              <a:t>Botón para abrir el link del archivo XML y descargarlo.</a:t>
+            </a:r>
+          </a:p>
+          <a:p>
+            <a:pPr marL="228600" indent="-228600">
+              <a:buFont typeface="+mj-lt"/>
+              <a:buAutoNum type="arabicPeriod"/>
+            </a:pPr>
+            <a:r>
+              <a:rPr lang="es-PE" sz="1200" dirty="0" smtClean="0">
+                <a:latin typeface="맑은 고딕" pitchFamily="50" charset="-127"/>
+                <a:ea typeface="맑은 고딕" pitchFamily="50" charset="-127"/>
+              </a:rPr>
+              <a:t>Oprimir botón para volver a solicitar otro número de documento.</a:t>
             </a:r>
             <a:endParaRPr lang="es-PE" sz="1200" dirty="0">
               <a:latin typeface="맑은 고딕" pitchFamily="50" charset="-127"/>
               <a:ea typeface="맑은 고딕" pitchFamily="50" charset="-127"/>
             </a:endParaRPr>
           </a:p>
-          <a:p>
-            <a:pPr marL="228600" indent="-228600">
-              <a:buAutoNum type="arabicPeriod"/>
-            </a:pPr>
-            <a:r>
-              <a:rPr lang="es-PE" sz="1200" dirty="0" smtClean="0">
-                <a:latin typeface="맑은 고딕" pitchFamily="50" charset="-127"/>
-                <a:ea typeface="맑은 고딕" pitchFamily="50" charset="-127"/>
-              </a:rPr>
-              <a:t>Botón para limpiar y refrescar la página y seguir buscando más casos.</a:t>
-            </a:r>
-          </a:p>
         </p:txBody>
       </p:sp>
       <p:sp>
@@ -3849,7 +4109,7 @@
         </p:nvSpPr>
         <p:spPr>
           <a:xfrm>
-            <a:off x="2792760" y="5368362"/>
+            <a:off x="677976" y="4030031"/>
             <a:ext cx="209841" cy="175097"/>
           </a:xfrm>
           <a:prstGeom prst="ellipse">
@@ -3909,7 +4169,7 @@
         </p:nvSpPr>
         <p:spPr>
           <a:xfrm>
-            <a:off x="3800872" y="5368362"/>
+            <a:off x="677976" y="4797152"/>
             <a:ext cx="209841" cy="175097"/>
           </a:xfrm>
           <a:prstGeom prst="ellipse">
@@ -3961,10 +4221,1567 @@
           </a:p>
         </p:txBody>
       </p:sp>
+      <p:sp>
+        <p:nvSpPr>
+          <p:cNvPr id="15" name="타원 73"/>
+          <p:cNvSpPr/>
+          <p:nvPr/>
+        </p:nvSpPr>
+        <p:spPr>
+          <a:xfrm>
+            <a:off x="1928664" y="5630167"/>
+            <a:ext cx="209841" cy="175097"/>
+          </a:xfrm>
+          <a:prstGeom prst="ellipse">
+            <a:avLst/>
+          </a:prstGeom>
+          <a:solidFill>
+            <a:srgbClr val="C00000"/>
+          </a:solidFill>
+          <a:ln>
+            <a:solidFill>
+              <a:srgbClr val="C00000"/>
+            </a:solidFill>
+          </a:ln>
+        </p:spPr>
+        <p:style>
+          <a:lnRef idx="2">
+            <a:schemeClr val="accent1">
+              <a:shade val="50000"/>
+            </a:schemeClr>
+          </a:lnRef>
+          <a:fillRef idx="1">
+            <a:schemeClr val="accent1"/>
+          </a:fillRef>
+          <a:effectRef idx="0">
+            <a:schemeClr val="accent1"/>
+          </a:effectRef>
+          <a:fontRef idx="minor">
+            <a:schemeClr val="lt1"/>
+          </a:fontRef>
+        </p:style>
+        <p:txBody>
+          <a:bodyPr anchor="ctr"/>
+          <a:lstStyle/>
+          <a:p>
+            <a:pPr algn="ctr" eaLnBrk="1" latinLnBrk="1" hangingPunct="1">
+              <a:defRPr/>
+            </a:pPr>
+            <a:r>
+              <a:rPr lang="en-US" altLang="ko-KR" sz="1200" b="1" dirty="0" smtClean="0">
+                <a:latin typeface="맑은 고딕" pitchFamily="50" charset="-127"/>
+                <a:ea typeface="맑은 고딕" pitchFamily="50" charset="-127"/>
+              </a:rPr>
+              <a:t>4</a:t>
+            </a:r>
+            <a:endParaRPr lang="ko-KR" altLang="en-US" sz="1200" b="1" dirty="0">
+              <a:latin typeface="맑은 고딕" pitchFamily="50" charset="-127"/>
+              <a:ea typeface="맑은 고딕" pitchFamily="50" charset="-127"/>
+            </a:endParaRPr>
+          </a:p>
+        </p:txBody>
+      </p:sp>
+      <p:sp>
+        <p:nvSpPr>
+          <p:cNvPr id="13" name="타원 73"/>
+          <p:cNvSpPr/>
+          <p:nvPr/>
+        </p:nvSpPr>
+        <p:spPr>
+          <a:xfrm>
+            <a:off x="3584848" y="5630167"/>
+            <a:ext cx="209841" cy="175097"/>
+          </a:xfrm>
+          <a:prstGeom prst="ellipse">
+            <a:avLst/>
+          </a:prstGeom>
+          <a:solidFill>
+            <a:srgbClr val="C00000"/>
+          </a:solidFill>
+          <a:ln>
+            <a:solidFill>
+              <a:srgbClr val="C00000"/>
+            </a:solidFill>
+          </a:ln>
+        </p:spPr>
+        <p:style>
+          <a:lnRef idx="2">
+            <a:schemeClr val="accent1">
+              <a:shade val="50000"/>
+            </a:schemeClr>
+          </a:lnRef>
+          <a:fillRef idx="1">
+            <a:schemeClr val="accent1"/>
+          </a:fillRef>
+          <a:effectRef idx="0">
+            <a:schemeClr val="accent1"/>
+          </a:effectRef>
+          <a:fontRef idx="minor">
+            <a:schemeClr val="lt1"/>
+          </a:fontRef>
+        </p:style>
+        <p:txBody>
+          <a:bodyPr anchor="ctr"/>
+          <a:lstStyle/>
+          <a:p>
+            <a:pPr algn="ctr" eaLnBrk="1" latinLnBrk="1" hangingPunct="1">
+              <a:defRPr/>
+            </a:pPr>
+            <a:r>
+              <a:rPr lang="en-US" altLang="ko-KR" sz="1200" b="1" dirty="0" smtClean="0">
+                <a:latin typeface="맑은 고딕" pitchFamily="50" charset="-127"/>
+                <a:ea typeface="맑은 고딕" pitchFamily="50" charset="-127"/>
+              </a:rPr>
+              <a:t>5</a:t>
+            </a:r>
+            <a:endParaRPr lang="ko-KR" altLang="en-US" sz="1200" b="1" dirty="0">
+              <a:latin typeface="맑은 고딕" pitchFamily="50" charset="-127"/>
+              <a:ea typeface="맑은 고딕" pitchFamily="50" charset="-127"/>
+            </a:endParaRPr>
+          </a:p>
+        </p:txBody>
+      </p:sp>
+      <p:sp>
+        <p:nvSpPr>
+          <p:cNvPr id="19" name="타원 73"/>
+          <p:cNvSpPr/>
+          <p:nvPr/>
+        </p:nvSpPr>
+        <p:spPr>
+          <a:xfrm>
+            <a:off x="4956091" y="5630167"/>
+            <a:ext cx="209841" cy="175097"/>
+          </a:xfrm>
+          <a:prstGeom prst="ellipse">
+            <a:avLst/>
+          </a:prstGeom>
+          <a:solidFill>
+            <a:srgbClr val="C00000"/>
+          </a:solidFill>
+          <a:ln>
+            <a:solidFill>
+              <a:srgbClr val="C00000"/>
+            </a:solidFill>
+          </a:ln>
+        </p:spPr>
+        <p:style>
+          <a:lnRef idx="2">
+            <a:schemeClr val="accent1">
+              <a:shade val="50000"/>
+            </a:schemeClr>
+          </a:lnRef>
+          <a:fillRef idx="1">
+            <a:schemeClr val="accent1"/>
+          </a:fillRef>
+          <a:effectRef idx="0">
+            <a:schemeClr val="accent1"/>
+          </a:effectRef>
+          <a:fontRef idx="minor">
+            <a:schemeClr val="lt1"/>
+          </a:fontRef>
+        </p:style>
+        <p:txBody>
+          <a:bodyPr anchor="ctr"/>
+          <a:lstStyle/>
+          <a:p>
+            <a:pPr algn="ctr" eaLnBrk="1" latinLnBrk="1" hangingPunct="1">
+              <a:defRPr/>
+            </a:pPr>
+            <a:r>
+              <a:rPr lang="en-US" altLang="ko-KR" sz="1200" b="1" dirty="0" smtClean="0">
+                <a:latin typeface="맑은 고딕" pitchFamily="50" charset="-127"/>
+                <a:ea typeface="맑은 고딕" pitchFamily="50" charset="-127"/>
+              </a:rPr>
+              <a:t>6</a:t>
+            </a:r>
+            <a:endParaRPr lang="ko-KR" altLang="en-US" sz="1200" b="1" dirty="0">
+              <a:latin typeface="맑은 고딕" pitchFamily="50" charset="-127"/>
+              <a:ea typeface="맑은 고딕" pitchFamily="50" charset="-127"/>
+            </a:endParaRPr>
+          </a:p>
+        </p:txBody>
+      </p:sp>
     </p:spTree>
     <p:extLst>
       <p:ext uri="{BB962C8B-B14F-4D97-AF65-F5344CB8AC3E}">
-        <p14:creationId xmlns:p14="http://schemas.microsoft.com/office/powerpoint/2010/main" val="2101966151"/>
+        <p14:creationId xmlns:p14="http://schemas.microsoft.com/office/powerpoint/2010/main" val="702874611"/>
+      </p:ext>
+    </p:extLst>
+  </p:cSld>
+  <p:clrMapOvr>
+    <a:masterClrMapping/>
+  </p:clrMapOvr>
+  <p:timing>
+    <p:tnLst>
+      <p:par>
+        <p:cTn id="1" dur="indefinite" restart="never" nodeType="tmRoot"/>
+      </p:par>
+    </p:tnLst>
+  </p:timing>
+</p:sld>
+</file>
+
+<file path=ppt/slides/slide4.xml><?xml version="1.0" encoding="utf-8"?>
+<p:sld xmlns:a="http://schemas.openxmlformats.org/drawingml/2006/main" xmlns:r="http://schemas.openxmlformats.org/officeDocument/2006/relationships" xmlns:p="http://schemas.openxmlformats.org/presentationml/2006/main">
+  <p:cSld>
+    <p:spTree>
+      <p:nvGrpSpPr>
+        <p:cNvPr id="1" name=""/>
+        <p:cNvGrpSpPr/>
+        <p:nvPr/>
+      </p:nvGrpSpPr>
+      <p:grpSpPr>
+        <a:xfrm>
+          <a:off x="0" y="0"/>
+          <a:ext cx="0" cy="0"/>
+          <a:chOff x="0" y="0"/>
+          <a:chExt cx="0" cy="0"/>
+        </a:xfrm>
+      </p:grpSpPr>
+      <p:pic>
+        <p:nvPicPr>
+          <p:cNvPr id="3" name="Picture 2"/>
+          <p:cNvPicPr>
+            <a:picLocks noChangeAspect="1"/>
+          </p:cNvPicPr>
+          <p:nvPr/>
+        </p:nvPicPr>
+        <p:blipFill>
+          <a:blip r:embed="rId3"/>
+          <a:stretch>
+            <a:fillRect/>
+          </a:stretch>
+        </p:blipFill>
+        <p:spPr>
+          <a:xfrm>
+            <a:off x="1058999" y="1010717"/>
+            <a:ext cx="4251226" cy="5362711"/>
+          </a:xfrm>
+          <a:prstGeom prst="rect">
+            <a:avLst/>
+          </a:prstGeom>
+        </p:spPr>
+      </p:pic>
+      <p:sp>
+        <p:nvSpPr>
+          <p:cNvPr id="5" name="제목 4"/>
+          <p:cNvSpPr>
+            <a:spLocks noGrp="1"/>
+          </p:cNvSpPr>
+          <p:nvPr>
+            <p:ph type="title"/>
+          </p:nvPr>
+        </p:nvSpPr>
+        <p:spPr/>
+        <p:txBody>
+          <a:bodyPr/>
+          <a:lstStyle/>
+          <a:p>
+            <a:r>
+              <a:rPr lang="es-PE" altLang="ko-KR" dirty="0" err="1"/>
+              <a:t>Lgepr</a:t>
+            </a:r>
+            <a:r>
+              <a:rPr lang="es-PE" altLang="ko-KR" dirty="0"/>
+              <a:t> </a:t>
+            </a:r>
+            <a:r>
+              <a:rPr lang="es-PE" altLang="ko-KR" dirty="0" err="1"/>
+              <a:t>Sovos</a:t>
+            </a:r>
+            <a:r>
+              <a:rPr lang="es-PE" altLang="ko-KR" dirty="0"/>
+              <a:t> </a:t>
+            </a:r>
+            <a:r>
+              <a:rPr lang="es-PE" altLang="ko-KR" dirty="0" err="1"/>
+              <a:t>Invoice</a:t>
+            </a:r>
+            <a:endParaRPr lang="ko-KR" altLang="en-US" dirty="0"/>
+          </a:p>
+        </p:txBody>
+      </p:sp>
+      <p:sp>
+        <p:nvSpPr>
+          <p:cNvPr id="33" name="모서리가 둥근 직사각형 32"/>
+          <p:cNvSpPr/>
+          <p:nvPr/>
+        </p:nvSpPr>
+        <p:spPr bwMode="auto">
+          <a:xfrm>
+            <a:off x="85061" y="908720"/>
+            <a:ext cx="6452115" cy="5566706"/>
+          </a:xfrm>
+          <a:prstGeom prst="roundRect">
+            <a:avLst>
+              <a:gd name="adj" fmla="val 1576"/>
+            </a:avLst>
+          </a:prstGeom>
+          <a:noFill/>
+          <a:ln w="3175" cap="flat" cmpd="sng" algn="ctr">
+            <a:solidFill>
+              <a:schemeClr val="bg1">
+                <a:lumMod val="85000"/>
+              </a:schemeClr>
+            </a:solidFill>
+            <a:prstDash val="solid"/>
+            <a:round/>
+            <a:headEnd type="none" w="med" len="med"/>
+            <a:tailEnd type="none" w="med" len="med"/>
+          </a:ln>
+          <a:effectLst/>
+        </p:spPr>
+        <p:txBody>
+          <a:bodyPr/>
+          <a:lstStyle/>
+          <a:p>
+            <a:pPr algn="ctr">
+              <a:defRPr/>
+            </a:pPr>
+            <a:endParaRPr lang="ko-KR" altLang="en-US" sz="1400">
+              <a:solidFill>
+                <a:srgbClr val="3333CC"/>
+              </a:solidFill>
+              <a:ea typeface="돋움" pitchFamily="50" charset="-127"/>
+            </a:endParaRPr>
+          </a:p>
+        </p:txBody>
+      </p:sp>
+      <p:sp>
+        <p:nvSpPr>
+          <p:cNvPr id="16" name="모서리가 둥근 직사각형 60"/>
+          <p:cNvSpPr/>
+          <p:nvPr/>
+        </p:nvSpPr>
+        <p:spPr bwMode="auto">
+          <a:xfrm>
+            <a:off x="6681192" y="908720"/>
+            <a:ext cx="3154688" cy="5570984"/>
+          </a:xfrm>
+          <a:prstGeom prst="roundRect">
+            <a:avLst>
+              <a:gd name="adj" fmla="val 1576"/>
+            </a:avLst>
+          </a:prstGeom>
+          <a:noFill/>
+          <a:ln w="3175" cap="flat" cmpd="sng" algn="ctr">
+            <a:solidFill>
+              <a:schemeClr val="bg1">
+                <a:lumMod val="85000"/>
+              </a:schemeClr>
+            </a:solidFill>
+            <a:prstDash val="solid"/>
+            <a:round/>
+            <a:headEnd type="none" w="med" len="med"/>
+            <a:tailEnd type="none" w="med" len="med"/>
+          </a:ln>
+          <a:effectLst/>
+        </p:spPr>
+        <p:txBody>
+          <a:bodyPr/>
+          <a:lstStyle/>
+          <a:p>
+            <a:pPr algn="ctr">
+              <a:defRPr/>
+            </a:pPr>
+            <a:endParaRPr lang="ko-KR" altLang="en-US" sz="1400">
+              <a:solidFill>
+                <a:srgbClr val="3333CC"/>
+              </a:solidFill>
+              <a:ea typeface="돋움" pitchFamily="50" charset="-127"/>
+            </a:endParaRPr>
+          </a:p>
+        </p:txBody>
+      </p:sp>
+      <p:sp>
+        <p:nvSpPr>
+          <p:cNvPr id="17" name="타원 73"/>
+          <p:cNvSpPr/>
+          <p:nvPr/>
+        </p:nvSpPr>
+        <p:spPr>
+          <a:xfrm>
+            <a:off x="777150" y="1566307"/>
+            <a:ext cx="209841" cy="175097"/>
+          </a:xfrm>
+          <a:prstGeom prst="ellipse">
+            <a:avLst/>
+          </a:prstGeom>
+          <a:solidFill>
+            <a:srgbClr val="C00000"/>
+          </a:solidFill>
+          <a:ln>
+            <a:solidFill>
+              <a:srgbClr val="C00000"/>
+            </a:solidFill>
+          </a:ln>
+        </p:spPr>
+        <p:style>
+          <a:lnRef idx="2">
+            <a:schemeClr val="accent1">
+              <a:shade val="50000"/>
+            </a:schemeClr>
+          </a:lnRef>
+          <a:fillRef idx="1">
+            <a:schemeClr val="accent1"/>
+          </a:fillRef>
+          <a:effectRef idx="0">
+            <a:schemeClr val="accent1"/>
+          </a:effectRef>
+          <a:fontRef idx="minor">
+            <a:schemeClr val="lt1"/>
+          </a:fontRef>
+        </p:style>
+        <p:txBody>
+          <a:bodyPr anchor="ctr"/>
+          <a:lstStyle/>
+          <a:p>
+            <a:pPr algn="ctr" eaLnBrk="1" latinLnBrk="1" hangingPunct="1">
+              <a:defRPr/>
+            </a:pPr>
+            <a:r>
+              <a:rPr lang="en-US" altLang="ko-KR" sz="1200" b="1" dirty="0">
+                <a:latin typeface="맑은 고딕" pitchFamily="50" charset="-127"/>
+                <a:ea typeface="맑은 고딕" pitchFamily="50" charset="-127"/>
+              </a:rPr>
+              <a:t>1</a:t>
+            </a:r>
+            <a:endParaRPr lang="ko-KR" altLang="en-US" sz="1200" b="1" dirty="0">
+              <a:latin typeface="맑은 고딕" pitchFamily="50" charset="-127"/>
+              <a:ea typeface="맑은 고딕" pitchFamily="50" charset="-127"/>
+            </a:endParaRPr>
+          </a:p>
+        </p:txBody>
+      </p:sp>
+      <p:sp>
+        <p:nvSpPr>
+          <p:cNvPr id="4" name="TextBox 3"/>
+          <p:cNvSpPr txBox="1"/>
+          <p:nvPr/>
+        </p:nvSpPr>
+        <p:spPr>
+          <a:xfrm>
+            <a:off x="6753200" y="1724615"/>
+            <a:ext cx="3102471" cy="2862322"/>
+          </a:xfrm>
+          <a:prstGeom prst="rect">
+            <a:avLst/>
+          </a:prstGeom>
+          <a:noFill/>
+        </p:spPr>
+        <p:txBody>
+          <a:bodyPr wrap="square" rtlCol="0">
+            <a:spAutoFit/>
+          </a:bodyPr>
+          <a:lstStyle/>
+          <a:p>
+            <a:r>
+              <a:rPr lang="es-PE" sz="1200" b="1" dirty="0">
+                <a:latin typeface="맑은 고딕" pitchFamily="50" charset="-127"/>
+                <a:ea typeface="맑은 고딕" pitchFamily="50" charset="-127"/>
+              </a:rPr>
+              <a:t>LGEPR </a:t>
+            </a:r>
+            <a:r>
+              <a:rPr lang="es-PE" sz="1200" b="1" dirty="0" err="1">
+                <a:latin typeface="맑은 고딕" pitchFamily="50" charset="-127"/>
+                <a:ea typeface="맑은 고딕" pitchFamily="50" charset="-127"/>
+              </a:rPr>
+              <a:t>Sovos</a:t>
+            </a:r>
+            <a:r>
+              <a:rPr lang="es-PE" sz="1200" b="1" dirty="0">
+                <a:latin typeface="맑은 고딕" pitchFamily="50" charset="-127"/>
+                <a:ea typeface="맑은 고딕" pitchFamily="50" charset="-127"/>
+              </a:rPr>
+              <a:t> </a:t>
+            </a:r>
+            <a:r>
+              <a:rPr lang="es-PE" sz="1200" b="1" dirty="0" err="1">
+                <a:latin typeface="맑은 고딕" pitchFamily="50" charset="-127"/>
+                <a:ea typeface="맑은 고딕" pitchFamily="50" charset="-127"/>
+              </a:rPr>
+              <a:t>Invoice</a:t>
+            </a:r>
+            <a:r>
+              <a:rPr lang="es-PE" sz="1200" b="1" dirty="0">
+                <a:latin typeface="맑은 고딕" pitchFamily="50" charset="-127"/>
+                <a:ea typeface="맑은 고딕" pitchFamily="50" charset="-127"/>
+              </a:rPr>
+              <a:t> </a:t>
+            </a:r>
+            <a:endParaRPr lang="es-PE" sz="1200" b="1" dirty="0" smtClean="0">
+              <a:latin typeface="맑은 고딕" pitchFamily="50" charset="-127"/>
+              <a:ea typeface="맑은 고딕" pitchFamily="50" charset="-127"/>
+            </a:endParaRPr>
+          </a:p>
+          <a:p>
+            <a:r>
+              <a:rPr lang="es-PE" sz="1200" dirty="0" smtClean="0">
+                <a:latin typeface="맑은 고딕" pitchFamily="50" charset="-127"/>
+                <a:ea typeface="맑은 고딕" pitchFamily="50" charset="-127"/>
+              </a:rPr>
+              <a:t>Formulario para búsqueda masiva.</a:t>
+            </a:r>
+          </a:p>
+          <a:p>
+            <a:r>
+              <a:rPr lang="es-PE" sz="1200" dirty="0" smtClean="0">
+                <a:latin typeface="맑은 고딕" pitchFamily="50" charset="-127"/>
+                <a:ea typeface="맑은 고딕" pitchFamily="50" charset="-127"/>
+              </a:rPr>
+              <a:t>Se deberá ingresar el número de documento inicial y final, donde se buscará todo los números que estén contenido entre ellos.</a:t>
+            </a:r>
+            <a:endParaRPr lang="es-PE" sz="1200" dirty="0" smtClean="0">
+              <a:latin typeface="맑은 고딕" pitchFamily="50" charset="-127"/>
+              <a:ea typeface="맑은 고딕" pitchFamily="50" charset="-127"/>
+            </a:endParaRPr>
+          </a:p>
+          <a:p>
+            <a:pPr marL="228600" indent="-228600">
+              <a:buFont typeface="+mj-lt"/>
+              <a:buAutoNum type="arabicPeriod"/>
+            </a:pPr>
+            <a:r>
+              <a:rPr lang="es-PE" sz="1200" dirty="0" smtClean="0">
+                <a:latin typeface="맑은 고딕" pitchFamily="50" charset="-127"/>
+                <a:ea typeface="맑은 고딕" pitchFamily="50" charset="-127"/>
+              </a:rPr>
+              <a:t>Selector de tipo de documento a buscar dentro de </a:t>
+            </a:r>
+            <a:r>
+              <a:rPr lang="es-PE" sz="1200" dirty="0" smtClean="0">
+                <a:latin typeface="맑은 고딕" pitchFamily="50" charset="-127"/>
+                <a:ea typeface="맑은 고딕" pitchFamily="50" charset="-127"/>
+              </a:rPr>
+              <a:t>SOVOS.</a:t>
+            </a:r>
+            <a:endParaRPr lang="es-PE" sz="1200" dirty="0" smtClean="0">
+              <a:latin typeface="맑은 고딕" pitchFamily="50" charset="-127"/>
+              <a:ea typeface="맑은 고딕" pitchFamily="50" charset="-127"/>
+            </a:endParaRPr>
+          </a:p>
+          <a:p>
+            <a:pPr marL="228600" indent="-228600">
+              <a:buFont typeface="+mj-lt"/>
+              <a:buAutoNum type="arabicPeriod"/>
+            </a:pPr>
+            <a:r>
+              <a:rPr lang="es-PE" sz="1200" dirty="0" smtClean="0">
+                <a:latin typeface="맑은 고딕" pitchFamily="50" charset="-127"/>
+                <a:ea typeface="맑은 고딕" pitchFamily="50" charset="-127"/>
+              </a:rPr>
+              <a:t>Escribir el inicio del número de documento.</a:t>
+            </a:r>
+          </a:p>
+          <a:p>
+            <a:pPr marL="228600" indent="-228600">
+              <a:buFont typeface="+mj-lt"/>
+              <a:buAutoNum type="arabicPeriod"/>
+            </a:pPr>
+            <a:r>
+              <a:rPr lang="es-PE" sz="1200" dirty="0" smtClean="0">
+                <a:latin typeface="맑은 고딕" pitchFamily="50" charset="-127"/>
+                <a:ea typeface="맑은 고딕" pitchFamily="50" charset="-127"/>
+              </a:rPr>
+              <a:t>Escribir el fin del número de documento.</a:t>
+            </a:r>
+          </a:p>
+          <a:p>
+            <a:pPr marL="228600" indent="-228600">
+              <a:buFont typeface="+mj-lt"/>
+              <a:buAutoNum type="arabicPeriod"/>
+            </a:pPr>
+            <a:r>
+              <a:rPr lang="es-PE" sz="1200" dirty="0" smtClean="0">
+                <a:latin typeface="맑은 고딕" pitchFamily="50" charset="-127"/>
+                <a:ea typeface="맑은 고딕" pitchFamily="50" charset="-127"/>
+              </a:rPr>
+              <a:t>Dar </a:t>
+            </a:r>
+            <a:r>
+              <a:rPr lang="es-PE" sz="1200" dirty="0" err="1" smtClean="0">
+                <a:latin typeface="맑은 고딕" pitchFamily="50" charset="-127"/>
+                <a:ea typeface="맑은 고딕" pitchFamily="50" charset="-127"/>
+              </a:rPr>
+              <a:t>click</a:t>
+            </a:r>
+            <a:r>
+              <a:rPr lang="es-PE" sz="1200" dirty="0" smtClean="0">
+                <a:latin typeface="맑은 고딕" pitchFamily="50" charset="-127"/>
+                <a:ea typeface="맑은 고딕" pitchFamily="50" charset="-127"/>
+              </a:rPr>
+              <a:t> al botón </a:t>
+            </a:r>
+            <a:r>
+              <a:rPr lang="es-PE" sz="1200" dirty="0" err="1" smtClean="0">
+                <a:latin typeface="맑은 고딕" pitchFamily="50" charset="-127"/>
+                <a:ea typeface="맑은 고딕" pitchFamily="50" charset="-127"/>
+              </a:rPr>
+              <a:t>start</a:t>
+            </a:r>
+            <a:r>
+              <a:rPr lang="es-PE" sz="1200" dirty="0" smtClean="0">
+                <a:latin typeface="맑은 고딕" pitchFamily="50" charset="-127"/>
+                <a:ea typeface="맑은 고딕" pitchFamily="50" charset="-127"/>
+              </a:rPr>
+              <a:t> </a:t>
+            </a:r>
+            <a:r>
+              <a:rPr lang="es-PE" sz="1200" dirty="0" err="1" smtClean="0">
+                <a:latin typeface="맑은 고딕" pitchFamily="50" charset="-127"/>
+                <a:ea typeface="맑은 고딕" pitchFamily="50" charset="-127"/>
+              </a:rPr>
+              <a:t>processing</a:t>
+            </a:r>
+            <a:r>
+              <a:rPr lang="es-PE" sz="1200" dirty="0" smtClean="0">
+                <a:latin typeface="맑은 고딕" pitchFamily="50" charset="-127"/>
+                <a:ea typeface="맑은 고딕" pitchFamily="50" charset="-127"/>
+              </a:rPr>
+              <a:t> para buscar el rango de documentos solicitado.</a:t>
+            </a:r>
+          </a:p>
+        </p:txBody>
+      </p:sp>
+      <p:sp>
+        <p:nvSpPr>
+          <p:cNvPr id="14" name="타원 73"/>
+          <p:cNvSpPr/>
+          <p:nvPr/>
+        </p:nvSpPr>
+        <p:spPr>
+          <a:xfrm>
+            <a:off x="777149" y="3818914"/>
+            <a:ext cx="209841" cy="175097"/>
+          </a:xfrm>
+          <a:prstGeom prst="ellipse">
+            <a:avLst/>
+          </a:prstGeom>
+          <a:solidFill>
+            <a:srgbClr val="C00000"/>
+          </a:solidFill>
+          <a:ln>
+            <a:solidFill>
+              <a:srgbClr val="C00000"/>
+            </a:solidFill>
+          </a:ln>
+        </p:spPr>
+        <p:style>
+          <a:lnRef idx="2">
+            <a:schemeClr val="accent1">
+              <a:shade val="50000"/>
+            </a:schemeClr>
+          </a:lnRef>
+          <a:fillRef idx="1">
+            <a:schemeClr val="accent1"/>
+          </a:fillRef>
+          <a:effectRef idx="0">
+            <a:schemeClr val="accent1"/>
+          </a:effectRef>
+          <a:fontRef idx="minor">
+            <a:schemeClr val="lt1"/>
+          </a:fontRef>
+        </p:style>
+        <p:txBody>
+          <a:bodyPr anchor="ctr"/>
+          <a:lstStyle/>
+          <a:p>
+            <a:pPr algn="ctr" eaLnBrk="1" latinLnBrk="1" hangingPunct="1">
+              <a:defRPr/>
+            </a:pPr>
+            <a:r>
+              <a:rPr lang="en-US" altLang="ko-KR" sz="1200" b="1" dirty="0" smtClean="0">
+                <a:latin typeface="맑은 고딕" pitchFamily="50" charset="-127"/>
+                <a:ea typeface="맑은 고딕" pitchFamily="50" charset="-127"/>
+              </a:rPr>
+              <a:t>2</a:t>
+            </a:r>
+            <a:endParaRPr lang="ko-KR" altLang="en-US" sz="1200" b="1" dirty="0">
+              <a:latin typeface="맑은 고딕" pitchFamily="50" charset="-127"/>
+              <a:ea typeface="맑은 고딕" pitchFamily="50" charset="-127"/>
+            </a:endParaRPr>
+          </a:p>
+        </p:txBody>
+      </p:sp>
+      <p:sp>
+        <p:nvSpPr>
+          <p:cNvPr id="18" name="타원 73"/>
+          <p:cNvSpPr/>
+          <p:nvPr/>
+        </p:nvSpPr>
+        <p:spPr>
+          <a:xfrm>
+            <a:off x="782215" y="4237332"/>
+            <a:ext cx="209841" cy="175097"/>
+          </a:xfrm>
+          <a:prstGeom prst="ellipse">
+            <a:avLst/>
+          </a:prstGeom>
+          <a:solidFill>
+            <a:srgbClr val="C00000"/>
+          </a:solidFill>
+          <a:ln>
+            <a:solidFill>
+              <a:srgbClr val="C00000"/>
+            </a:solidFill>
+          </a:ln>
+        </p:spPr>
+        <p:style>
+          <a:lnRef idx="2">
+            <a:schemeClr val="accent1">
+              <a:shade val="50000"/>
+            </a:schemeClr>
+          </a:lnRef>
+          <a:fillRef idx="1">
+            <a:schemeClr val="accent1"/>
+          </a:fillRef>
+          <a:effectRef idx="0">
+            <a:schemeClr val="accent1"/>
+          </a:effectRef>
+          <a:fontRef idx="minor">
+            <a:schemeClr val="lt1"/>
+          </a:fontRef>
+        </p:style>
+        <p:txBody>
+          <a:bodyPr anchor="ctr"/>
+          <a:lstStyle/>
+          <a:p>
+            <a:pPr algn="ctr" eaLnBrk="1" latinLnBrk="1" hangingPunct="1">
+              <a:defRPr/>
+            </a:pPr>
+            <a:r>
+              <a:rPr lang="en-US" altLang="ko-KR" sz="1200" b="1" dirty="0" smtClean="0">
+                <a:latin typeface="맑은 고딕" pitchFamily="50" charset="-127"/>
+                <a:ea typeface="맑은 고딕" pitchFamily="50" charset="-127"/>
+              </a:rPr>
+              <a:t>3</a:t>
+            </a:r>
+            <a:endParaRPr lang="ko-KR" altLang="en-US" sz="1200" b="1" dirty="0">
+              <a:latin typeface="맑은 고딕" pitchFamily="50" charset="-127"/>
+              <a:ea typeface="맑은 고딕" pitchFamily="50" charset="-127"/>
+            </a:endParaRPr>
+          </a:p>
+        </p:txBody>
+      </p:sp>
+      <p:sp>
+        <p:nvSpPr>
+          <p:cNvPr id="15" name="타원 73"/>
+          <p:cNvSpPr/>
+          <p:nvPr/>
+        </p:nvSpPr>
+        <p:spPr>
+          <a:xfrm>
+            <a:off x="829367" y="5805264"/>
+            <a:ext cx="209841" cy="175097"/>
+          </a:xfrm>
+          <a:prstGeom prst="ellipse">
+            <a:avLst/>
+          </a:prstGeom>
+          <a:solidFill>
+            <a:srgbClr val="C00000"/>
+          </a:solidFill>
+          <a:ln>
+            <a:solidFill>
+              <a:srgbClr val="C00000"/>
+            </a:solidFill>
+          </a:ln>
+        </p:spPr>
+        <p:style>
+          <a:lnRef idx="2">
+            <a:schemeClr val="accent1">
+              <a:shade val="50000"/>
+            </a:schemeClr>
+          </a:lnRef>
+          <a:fillRef idx="1">
+            <a:schemeClr val="accent1"/>
+          </a:fillRef>
+          <a:effectRef idx="0">
+            <a:schemeClr val="accent1"/>
+          </a:effectRef>
+          <a:fontRef idx="minor">
+            <a:schemeClr val="lt1"/>
+          </a:fontRef>
+        </p:style>
+        <p:txBody>
+          <a:bodyPr anchor="ctr"/>
+          <a:lstStyle/>
+          <a:p>
+            <a:pPr algn="ctr" eaLnBrk="1" latinLnBrk="1" hangingPunct="1">
+              <a:defRPr/>
+            </a:pPr>
+            <a:r>
+              <a:rPr lang="en-US" altLang="ko-KR" sz="1200" b="1" dirty="0" smtClean="0">
+                <a:latin typeface="맑은 고딕" pitchFamily="50" charset="-127"/>
+                <a:ea typeface="맑은 고딕" pitchFamily="50" charset="-127"/>
+              </a:rPr>
+              <a:t>4</a:t>
+            </a:r>
+            <a:endParaRPr lang="ko-KR" altLang="en-US" sz="1200" b="1" dirty="0">
+              <a:latin typeface="맑은 고딕" pitchFamily="50" charset="-127"/>
+              <a:ea typeface="맑은 고딕" pitchFamily="50" charset="-127"/>
+            </a:endParaRPr>
+          </a:p>
+        </p:txBody>
+      </p:sp>
+    </p:spTree>
+    <p:extLst>
+      <p:ext uri="{BB962C8B-B14F-4D97-AF65-F5344CB8AC3E}">
+        <p14:creationId xmlns:p14="http://schemas.microsoft.com/office/powerpoint/2010/main" val="4163288181"/>
+      </p:ext>
+    </p:extLst>
+  </p:cSld>
+  <p:clrMapOvr>
+    <a:masterClrMapping/>
+  </p:clrMapOvr>
+  <p:timing>
+    <p:tnLst>
+      <p:par>
+        <p:cTn id="1" dur="indefinite" restart="never" nodeType="tmRoot"/>
+      </p:par>
+    </p:tnLst>
+  </p:timing>
+</p:sld>
+</file>
+
+<file path=ppt/slides/slide5.xml><?xml version="1.0" encoding="utf-8"?>
+<p:sld xmlns:a="http://schemas.openxmlformats.org/drawingml/2006/main" xmlns:r="http://schemas.openxmlformats.org/officeDocument/2006/relationships" xmlns:p="http://schemas.openxmlformats.org/presentationml/2006/main">
+  <p:cSld>
+    <p:spTree>
+      <p:nvGrpSpPr>
+        <p:cNvPr id="1" name=""/>
+        <p:cNvGrpSpPr/>
+        <p:nvPr/>
+      </p:nvGrpSpPr>
+      <p:grpSpPr>
+        <a:xfrm>
+          <a:off x="0" y="0"/>
+          <a:ext cx="0" cy="0"/>
+          <a:chOff x="0" y="0"/>
+          <a:chExt cx="0" cy="0"/>
+        </a:xfrm>
+      </p:grpSpPr>
+      <p:pic>
+        <p:nvPicPr>
+          <p:cNvPr id="7" name="Picture 6"/>
+          <p:cNvPicPr>
+            <a:picLocks noChangeAspect="1"/>
+          </p:cNvPicPr>
+          <p:nvPr/>
+        </p:nvPicPr>
+        <p:blipFill>
+          <a:blip r:embed="rId3"/>
+          <a:stretch>
+            <a:fillRect/>
+          </a:stretch>
+        </p:blipFill>
+        <p:spPr>
+          <a:xfrm>
+            <a:off x="757501" y="1639149"/>
+            <a:ext cx="4963218" cy="4105848"/>
+          </a:xfrm>
+          <a:prstGeom prst="rect">
+            <a:avLst/>
+          </a:prstGeom>
+        </p:spPr>
+      </p:pic>
+      <p:sp>
+        <p:nvSpPr>
+          <p:cNvPr id="5" name="제목 4"/>
+          <p:cNvSpPr>
+            <a:spLocks noGrp="1"/>
+          </p:cNvSpPr>
+          <p:nvPr>
+            <p:ph type="title"/>
+          </p:nvPr>
+        </p:nvSpPr>
+        <p:spPr/>
+        <p:txBody>
+          <a:bodyPr/>
+          <a:lstStyle/>
+          <a:p>
+            <a:r>
+              <a:rPr lang="es-PE" altLang="ko-KR" dirty="0" err="1"/>
+              <a:t>Lgepr</a:t>
+            </a:r>
+            <a:r>
+              <a:rPr lang="es-PE" altLang="ko-KR" dirty="0"/>
+              <a:t> </a:t>
+            </a:r>
+            <a:r>
+              <a:rPr lang="es-PE" altLang="ko-KR" dirty="0" err="1"/>
+              <a:t>Sovos</a:t>
+            </a:r>
+            <a:r>
+              <a:rPr lang="es-PE" altLang="ko-KR" dirty="0"/>
+              <a:t> </a:t>
+            </a:r>
+            <a:r>
+              <a:rPr lang="es-PE" altLang="ko-KR" dirty="0" err="1"/>
+              <a:t>Invoice</a:t>
+            </a:r>
+            <a:endParaRPr lang="ko-KR" altLang="en-US" dirty="0"/>
+          </a:p>
+        </p:txBody>
+      </p:sp>
+      <p:sp>
+        <p:nvSpPr>
+          <p:cNvPr id="33" name="모서리가 둥근 직사각형 32"/>
+          <p:cNvSpPr/>
+          <p:nvPr/>
+        </p:nvSpPr>
+        <p:spPr bwMode="auto">
+          <a:xfrm>
+            <a:off x="85061" y="908720"/>
+            <a:ext cx="6308099" cy="5566706"/>
+          </a:xfrm>
+          <a:prstGeom prst="roundRect">
+            <a:avLst>
+              <a:gd name="adj" fmla="val 1576"/>
+            </a:avLst>
+          </a:prstGeom>
+          <a:noFill/>
+          <a:ln w="3175" cap="flat" cmpd="sng" algn="ctr">
+            <a:solidFill>
+              <a:schemeClr val="bg1">
+                <a:lumMod val="85000"/>
+              </a:schemeClr>
+            </a:solidFill>
+            <a:prstDash val="solid"/>
+            <a:round/>
+            <a:headEnd type="none" w="med" len="med"/>
+            <a:tailEnd type="none" w="med" len="med"/>
+          </a:ln>
+          <a:effectLst/>
+        </p:spPr>
+        <p:txBody>
+          <a:bodyPr/>
+          <a:lstStyle/>
+          <a:p>
+            <a:pPr algn="ctr">
+              <a:defRPr/>
+            </a:pPr>
+            <a:endParaRPr lang="ko-KR" altLang="en-US" sz="1400">
+              <a:solidFill>
+                <a:srgbClr val="3333CC"/>
+              </a:solidFill>
+              <a:ea typeface="돋움" pitchFamily="50" charset="-127"/>
+            </a:endParaRPr>
+          </a:p>
+        </p:txBody>
+      </p:sp>
+      <p:sp>
+        <p:nvSpPr>
+          <p:cNvPr id="16" name="모서리가 둥근 직사각형 60"/>
+          <p:cNvSpPr/>
+          <p:nvPr/>
+        </p:nvSpPr>
+        <p:spPr bwMode="auto">
+          <a:xfrm>
+            <a:off x="6511088" y="908720"/>
+            <a:ext cx="3324792" cy="5570984"/>
+          </a:xfrm>
+          <a:prstGeom prst="roundRect">
+            <a:avLst>
+              <a:gd name="adj" fmla="val 1576"/>
+            </a:avLst>
+          </a:prstGeom>
+          <a:noFill/>
+          <a:ln w="3175" cap="flat" cmpd="sng" algn="ctr">
+            <a:solidFill>
+              <a:schemeClr val="bg1">
+                <a:lumMod val="85000"/>
+              </a:schemeClr>
+            </a:solidFill>
+            <a:prstDash val="solid"/>
+            <a:round/>
+            <a:headEnd type="none" w="med" len="med"/>
+            <a:tailEnd type="none" w="med" len="med"/>
+          </a:ln>
+          <a:effectLst/>
+        </p:spPr>
+        <p:txBody>
+          <a:bodyPr/>
+          <a:lstStyle/>
+          <a:p>
+            <a:pPr algn="ctr">
+              <a:defRPr/>
+            </a:pPr>
+            <a:endParaRPr lang="ko-KR" altLang="en-US" sz="1400">
+              <a:solidFill>
+                <a:srgbClr val="3333CC"/>
+              </a:solidFill>
+              <a:ea typeface="돋움" pitchFamily="50" charset="-127"/>
+            </a:endParaRPr>
+          </a:p>
+        </p:txBody>
+      </p:sp>
+      <p:sp>
+        <p:nvSpPr>
+          <p:cNvPr id="17" name="타원 73"/>
+          <p:cNvSpPr/>
+          <p:nvPr/>
+        </p:nvSpPr>
+        <p:spPr>
+          <a:xfrm>
+            <a:off x="469435" y="1988840"/>
+            <a:ext cx="209841" cy="175097"/>
+          </a:xfrm>
+          <a:prstGeom prst="ellipse">
+            <a:avLst/>
+          </a:prstGeom>
+          <a:solidFill>
+            <a:srgbClr val="C00000"/>
+          </a:solidFill>
+          <a:ln>
+            <a:solidFill>
+              <a:srgbClr val="C00000"/>
+            </a:solidFill>
+          </a:ln>
+        </p:spPr>
+        <p:style>
+          <a:lnRef idx="2">
+            <a:schemeClr val="accent1">
+              <a:shade val="50000"/>
+            </a:schemeClr>
+          </a:lnRef>
+          <a:fillRef idx="1">
+            <a:schemeClr val="accent1"/>
+          </a:fillRef>
+          <a:effectRef idx="0">
+            <a:schemeClr val="accent1"/>
+          </a:effectRef>
+          <a:fontRef idx="minor">
+            <a:schemeClr val="lt1"/>
+          </a:fontRef>
+        </p:style>
+        <p:txBody>
+          <a:bodyPr anchor="ctr"/>
+          <a:lstStyle/>
+          <a:p>
+            <a:pPr algn="ctr" eaLnBrk="1" latinLnBrk="1" hangingPunct="1">
+              <a:defRPr/>
+            </a:pPr>
+            <a:r>
+              <a:rPr lang="en-US" altLang="ko-KR" sz="1200" b="1" dirty="0">
+                <a:latin typeface="맑은 고딕" pitchFamily="50" charset="-127"/>
+                <a:ea typeface="맑은 고딕" pitchFamily="50" charset="-127"/>
+              </a:rPr>
+              <a:t>1</a:t>
+            </a:r>
+            <a:endParaRPr lang="ko-KR" altLang="en-US" sz="1200" b="1" dirty="0">
+              <a:latin typeface="맑은 고딕" pitchFamily="50" charset="-127"/>
+              <a:ea typeface="맑은 고딕" pitchFamily="50" charset="-127"/>
+            </a:endParaRPr>
+          </a:p>
+        </p:txBody>
+      </p:sp>
+      <p:sp>
+        <p:nvSpPr>
+          <p:cNvPr id="4" name="TextBox 3"/>
+          <p:cNvSpPr txBox="1"/>
+          <p:nvPr/>
+        </p:nvSpPr>
+        <p:spPr>
+          <a:xfrm>
+            <a:off x="6511088" y="1724615"/>
+            <a:ext cx="3344583" cy="2492990"/>
+          </a:xfrm>
+          <a:prstGeom prst="rect">
+            <a:avLst/>
+          </a:prstGeom>
+          <a:noFill/>
+        </p:spPr>
+        <p:txBody>
+          <a:bodyPr wrap="square" rtlCol="0">
+            <a:spAutoFit/>
+          </a:bodyPr>
+          <a:lstStyle/>
+          <a:p>
+            <a:r>
+              <a:rPr lang="es-PE" sz="1200" b="1" dirty="0">
+                <a:latin typeface="맑은 고딕" pitchFamily="50" charset="-127"/>
+                <a:ea typeface="맑은 고딕" pitchFamily="50" charset="-127"/>
+              </a:rPr>
+              <a:t>LGEPR </a:t>
+            </a:r>
+            <a:r>
+              <a:rPr lang="es-PE" sz="1200" b="1" dirty="0" err="1">
+                <a:latin typeface="맑은 고딕" pitchFamily="50" charset="-127"/>
+                <a:ea typeface="맑은 고딕" pitchFamily="50" charset="-127"/>
+              </a:rPr>
+              <a:t>Sovos</a:t>
+            </a:r>
+            <a:r>
+              <a:rPr lang="es-PE" sz="1200" b="1" dirty="0">
+                <a:latin typeface="맑은 고딕" pitchFamily="50" charset="-127"/>
+                <a:ea typeface="맑은 고딕" pitchFamily="50" charset="-127"/>
+              </a:rPr>
+              <a:t> </a:t>
+            </a:r>
+            <a:r>
+              <a:rPr lang="es-PE" sz="1200" b="1" dirty="0" err="1">
+                <a:latin typeface="맑은 고딕" pitchFamily="50" charset="-127"/>
+                <a:ea typeface="맑은 고딕" pitchFamily="50" charset="-127"/>
+              </a:rPr>
+              <a:t>Invoice</a:t>
+            </a:r>
+            <a:r>
+              <a:rPr lang="es-PE" sz="1200" b="1" dirty="0">
+                <a:latin typeface="맑은 고딕" pitchFamily="50" charset="-127"/>
+                <a:ea typeface="맑은 고딕" pitchFamily="50" charset="-127"/>
+              </a:rPr>
+              <a:t> </a:t>
+            </a:r>
+            <a:endParaRPr lang="es-PE" sz="1200" b="1" dirty="0" smtClean="0">
+              <a:latin typeface="맑은 고딕" pitchFamily="50" charset="-127"/>
+              <a:ea typeface="맑은 고딕" pitchFamily="50" charset="-127"/>
+            </a:endParaRPr>
+          </a:p>
+          <a:p>
+            <a:r>
+              <a:rPr lang="es-PE" sz="1200" dirty="0" smtClean="0">
+                <a:latin typeface="맑은 고딕" pitchFamily="50" charset="-127"/>
+                <a:ea typeface="맑은 고딕" pitchFamily="50" charset="-127"/>
+              </a:rPr>
+              <a:t>Buscará los archivos </a:t>
+            </a:r>
+            <a:r>
+              <a:rPr lang="es-PE" sz="1200" dirty="0" err="1" smtClean="0">
+                <a:latin typeface="맑은 고딕" pitchFamily="50" charset="-127"/>
+                <a:ea typeface="맑은 고딕" pitchFamily="50" charset="-127"/>
+              </a:rPr>
+              <a:t>xml</a:t>
+            </a:r>
+            <a:r>
+              <a:rPr lang="es-PE" sz="1200" dirty="0" smtClean="0">
+                <a:latin typeface="맑은 고딕" pitchFamily="50" charset="-127"/>
+                <a:ea typeface="맑은 고딕" pitchFamily="50" charset="-127"/>
+              </a:rPr>
+              <a:t> y </a:t>
+            </a:r>
+            <a:r>
+              <a:rPr lang="es-PE" sz="1200" dirty="0" err="1" smtClean="0">
+                <a:latin typeface="맑은 고딕" pitchFamily="50" charset="-127"/>
+                <a:ea typeface="맑은 고딕" pitchFamily="50" charset="-127"/>
+              </a:rPr>
+              <a:t>pdf</a:t>
+            </a:r>
+            <a:r>
+              <a:rPr lang="es-PE" sz="1200" dirty="0" smtClean="0">
+                <a:latin typeface="맑은 고딕" pitchFamily="50" charset="-127"/>
+                <a:ea typeface="맑은 고딕" pitchFamily="50" charset="-127"/>
+              </a:rPr>
+              <a:t> de cada valor que estén dentro del rango dado.</a:t>
+            </a:r>
+            <a:endParaRPr lang="es-PE" sz="1200" dirty="0" smtClean="0">
+              <a:latin typeface="맑은 고딕" pitchFamily="50" charset="-127"/>
+              <a:ea typeface="맑은 고딕" pitchFamily="50" charset="-127"/>
+            </a:endParaRPr>
+          </a:p>
+          <a:p>
+            <a:pPr marL="228600" indent="-228600">
+              <a:buFont typeface="+mj-lt"/>
+              <a:buAutoNum type="arabicPeriod"/>
+            </a:pPr>
+            <a:r>
+              <a:rPr lang="es-PE" sz="1200" dirty="0" smtClean="0">
+                <a:latin typeface="맑은 고딕" pitchFamily="50" charset="-127"/>
+                <a:ea typeface="맑은 고딕" pitchFamily="50" charset="-127"/>
+              </a:rPr>
+              <a:t>Valor inicial.</a:t>
+            </a:r>
+            <a:endParaRPr lang="es-PE" sz="1200" dirty="0" smtClean="0">
+              <a:latin typeface="맑은 고딕" pitchFamily="50" charset="-127"/>
+              <a:ea typeface="맑은 고딕" pitchFamily="50" charset="-127"/>
+            </a:endParaRPr>
+          </a:p>
+          <a:p>
+            <a:pPr marL="228600" indent="-228600">
+              <a:buFont typeface="+mj-lt"/>
+              <a:buAutoNum type="arabicPeriod"/>
+            </a:pPr>
+            <a:r>
+              <a:rPr lang="es-PE" sz="1200" dirty="0" smtClean="0">
+                <a:latin typeface="맑은 고딕" pitchFamily="50" charset="-127"/>
+                <a:ea typeface="맑은 고딕" pitchFamily="50" charset="-127"/>
+              </a:rPr>
+              <a:t>Valor final.</a:t>
+            </a:r>
+          </a:p>
+          <a:p>
+            <a:pPr marL="228600" indent="-228600">
+              <a:buFont typeface="+mj-lt"/>
+              <a:buAutoNum type="arabicPeriod"/>
+            </a:pPr>
+            <a:r>
+              <a:rPr lang="es-PE" sz="1200" dirty="0" smtClean="0">
+                <a:latin typeface="맑은 고딕" pitchFamily="50" charset="-127"/>
+                <a:ea typeface="맑은 고딕" pitchFamily="50" charset="-127"/>
+              </a:rPr>
+              <a:t>Botón que descargará un archivo </a:t>
+            </a:r>
+            <a:r>
+              <a:rPr lang="es-PE" sz="1200" dirty="0" err="1" smtClean="0">
+                <a:latin typeface="맑은 고딕" pitchFamily="50" charset="-127"/>
+                <a:ea typeface="맑은 고딕" pitchFamily="50" charset="-127"/>
+              </a:rPr>
+              <a:t>zip</a:t>
+            </a:r>
+            <a:r>
+              <a:rPr lang="es-PE" sz="1200" dirty="0" smtClean="0">
+                <a:latin typeface="맑은 고딕" pitchFamily="50" charset="-127"/>
+                <a:ea typeface="맑은 고딕" pitchFamily="50" charset="-127"/>
+              </a:rPr>
+              <a:t>, el cual contendrá</a:t>
+            </a:r>
+            <a:r>
+              <a:rPr lang="en-US" sz="1200" dirty="0" smtClean="0">
+                <a:latin typeface="맑은 고딕" pitchFamily="50" charset="-127"/>
+                <a:ea typeface="맑은 고딕" pitchFamily="50" charset="-127"/>
+              </a:rPr>
+              <a:t> </a:t>
+            </a:r>
+            <a:r>
+              <a:rPr lang="en-US" sz="1200" dirty="0" err="1" smtClean="0">
+                <a:latin typeface="맑은 고딕" pitchFamily="50" charset="-127"/>
+                <a:ea typeface="맑은 고딕" pitchFamily="50" charset="-127"/>
+              </a:rPr>
+              <a:t>todo</a:t>
+            </a:r>
+            <a:r>
+              <a:rPr lang="en-US" sz="1200" dirty="0" smtClean="0">
+                <a:latin typeface="맑은 고딕" pitchFamily="50" charset="-127"/>
+                <a:ea typeface="맑은 고딕" pitchFamily="50" charset="-127"/>
+              </a:rPr>
+              <a:t> los </a:t>
+            </a:r>
+            <a:r>
+              <a:rPr lang="en-US" sz="1200" dirty="0" err="1" smtClean="0">
+                <a:latin typeface="맑은 고딕" pitchFamily="50" charset="-127"/>
+                <a:ea typeface="맑은 고딕" pitchFamily="50" charset="-127"/>
+              </a:rPr>
+              <a:t>archivos</a:t>
+            </a:r>
+            <a:r>
+              <a:rPr lang="en-US" sz="1200" dirty="0" smtClean="0">
+                <a:latin typeface="맑은 고딕" pitchFamily="50" charset="-127"/>
+                <a:ea typeface="맑은 고딕" pitchFamily="50" charset="-127"/>
+              </a:rPr>
+              <a:t> pdf y xml </a:t>
+            </a:r>
+            <a:r>
+              <a:rPr lang="en-US" sz="1200" dirty="0" err="1" smtClean="0">
+                <a:latin typeface="맑은 고딕" pitchFamily="50" charset="-127"/>
+                <a:ea typeface="맑은 고딕" pitchFamily="50" charset="-127"/>
+              </a:rPr>
+              <a:t>correspondientes</a:t>
+            </a:r>
+            <a:r>
+              <a:rPr lang="en-US" sz="1200" dirty="0" smtClean="0">
+                <a:latin typeface="맑은 고딕" pitchFamily="50" charset="-127"/>
+                <a:ea typeface="맑은 고딕" pitchFamily="50" charset="-127"/>
+              </a:rPr>
+              <a:t>.</a:t>
+            </a:r>
+            <a:r>
+              <a:rPr lang="es-PE" sz="1200" dirty="0" smtClean="0">
+                <a:latin typeface="맑은 고딕" pitchFamily="50" charset="-127"/>
+                <a:ea typeface="맑은 고딕" pitchFamily="50" charset="-127"/>
+              </a:rPr>
+              <a:t>.</a:t>
+            </a:r>
+          </a:p>
+          <a:p>
+            <a:pPr marL="228600" indent="-228600">
+              <a:buFont typeface="+mj-lt"/>
+              <a:buAutoNum type="arabicPeriod"/>
+            </a:pPr>
+            <a:r>
+              <a:rPr lang="es-PE" sz="1200" dirty="0" smtClean="0">
+                <a:latin typeface="맑은 고딕" pitchFamily="50" charset="-127"/>
+                <a:ea typeface="맑은 고딕" pitchFamily="50" charset="-127"/>
+              </a:rPr>
+              <a:t>Oprimir botón para volver a solicitar otro rango de número de documento.</a:t>
+            </a:r>
+          </a:p>
+          <a:p>
+            <a:pPr marL="228600" indent="-228600">
+              <a:buFont typeface="+mj-lt"/>
+              <a:buAutoNum type="arabicPeriod"/>
+            </a:pPr>
+            <a:r>
+              <a:rPr lang="es-PE" sz="1200" dirty="0" smtClean="0">
+                <a:latin typeface="맑은 고딕" pitchFamily="50" charset="-127"/>
+                <a:ea typeface="맑은 고딕" pitchFamily="50" charset="-127"/>
+              </a:rPr>
+              <a:t>Muestra un mensaje que indica la </a:t>
+            </a:r>
+            <a:r>
+              <a:rPr lang="es-PE" sz="1200" dirty="0" err="1" smtClean="0">
+                <a:latin typeface="맑은 고딕" pitchFamily="50" charset="-127"/>
+                <a:ea typeface="맑은 고딕" pitchFamily="50" charset="-127"/>
+              </a:rPr>
+              <a:t>cantidade</a:t>
+            </a:r>
+            <a:r>
+              <a:rPr lang="es-PE" sz="1200" dirty="0" smtClean="0">
+                <a:latin typeface="맑은 고딕" pitchFamily="50" charset="-127"/>
+                <a:ea typeface="맑은 고딕" pitchFamily="50" charset="-127"/>
+              </a:rPr>
+              <a:t> archivos encontrados y la cantidad de números procesados.</a:t>
+            </a:r>
+            <a:endParaRPr lang="es-PE" sz="1200" dirty="0">
+              <a:latin typeface="맑은 고딕" pitchFamily="50" charset="-127"/>
+              <a:ea typeface="맑은 고딕" pitchFamily="50" charset="-127"/>
+            </a:endParaRPr>
+          </a:p>
+        </p:txBody>
+      </p:sp>
+      <p:sp>
+        <p:nvSpPr>
+          <p:cNvPr id="14" name="타원 73"/>
+          <p:cNvSpPr/>
+          <p:nvPr/>
+        </p:nvSpPr>
+        <p:spPr>
+          <a:xfrm>
+            <a:off x="468135" y="2494807"/>
+            <a:ext cx="209841" cy="175097"/>
+          </a:xfrm>
+          <a:prstGeom prst="ellipse">
+            <a:avLst/>
+          </a:prstGeom>
+          <a:solidFill>
+            <a:srgbClr val="C00000"/>
+          </a:solidFill>
+          <a:ln>
+            <a:solidFill>
+              <a:srgbClr val="C00000"/>
+            </a:solidFill>
+          </a:ln>
+        </p:spPr>
+        <p:style>
+          <a:lnRef idx="2">
+            <a:schemeClr val="accent1">
+              <a:shade val="50000"/>
+            </a:schemeClr>
+          </a:lnRef>
+          <a:fillRef idx="1">
+            <a:schemeClr val="accent1"/>
+          </a:fillRef>
+          <a:effectRef idx="0">
+            <a:schemeClr val="accent1"/>
+          </a:effectRef>
+          <a:fontRef idx="minor">
+            <a:schemeClr val="lt1"/>
+          </a:fontRef>
+        </p:style>
+        <p:txBody>
+          <a:bodyPr anchor="ctr"/>
+          <a:lstStyle/>
+          <a:p>
+            <a:pPr algn="ctr" eaLnBrk="1" latinLnBrk="1" hangingPunct="1">
+              <a:defRPr/>
+            </a:pPr>
+            <a:r>
+              <a:rPr lang="en-US" altLang="ko-KR" sz="1200" b="1" dirty="0" smtClean="0">
+                <a:latin typeface="맑은 고딕" pitchFamily="50" charset="-127"/>
+                <a:ea typeface="맑은 고딕" pitchFamily="50" charset="-127"/>
+              </a:rPr>
+              <a:t>2</a:t>
+            </a:r>
+            <a:endParaRPr lang="ko-KR" altLang="en-US" sz="1200" b="1" dirty="0">
+              <a:latin typeface="맑은 고딕" pitchFamily="50" charset="-127"/>
+              <a:ea typeface="맑은 고딕" pitchFamily="50" charset="-127"/>
+            </a:endParaRPr>
+          </a:p>
+        </p:txBody>
+      </p:sp>
+      <p:sp>
+        <p:nvSpPr>
+          <p:cNvPr id="18" name="타원 73"/>
+          <p:cNvSpPr/>
+          <p:nvPr/>
+        </p:nvSpPr>
+        <p:spPr>
+          <a:xfrm>
+            <a:off x="2576736" y="4077072"/>
+            <a:ext cx="209841" cy="175097"/>
+          </a:xfrm>
+          <a:prstGeom prst="ellipse">
+            <a:avLst/>
+          </a:prstGeom>
+          <a:solidFill>
+            <a:srgbClr val="C00000"/>
+          </a:solidFill>
+          <a:ln>
+            <a:solidFill>
+              <a:srgbClr val="C00000"/>
+            </a:solidFill>
+          </a:ln>
+        </p:spPr>
+        <p:style>
+          <a:lnRef idx="2">
+            <a:schemeClr val="accent1">
+              <a:shade val="50000"/>
+            </a:schemeClr>
+          </a:lnRef>
+          <a:fillRef idx="1">
+            <a:schemeClr val="accent1"/>
+          </a:fillRef>
+          <a:effectRef idx="0">
+            <a:schemeClr val="accent1"/>
+          </a:effectRef>
+          <a:fontRef idx="minor">
+            <a:schemeClr val="lt1"/>
+          </a:fontRef>
+        </p:style>
+        <p:txBody>
+          <a:bodyPr anchor="ctr"/>
+          <a:lstStyle/>
+          <a:p>
+            <a:pPr algn="ctr" eaLnBrk="1" latinLnBrk="1" hangingPunct="1">
+              <a:defRPr/>
+            </a:pPr>
+            <a:r>
+              <a:rPr lang="en-US" altLang="ko-KR" sz="1200" b="1" dirty="0" smtClean="0">
+                <a:latin typeface="맑은 고딕" pitchFamily="50" charset="-127"/>
+                <a:ea typeface="맑은 고딕" pitchFamily="50" charset="-127"/>
+              </a:rPr>
+              <a:t>3</a:t>
+            </a:r>
+            <a:endParaRPr lang="ko-KR" altLang="en-US" sz="1200" b="1" dirty="0">
+              <a:latin typeface="맑은 고딕" pitchFamily="50" charset="-127"/>
+              <a:ea typeface="맑은 고딕" pitchFamily="50" charset="-127"/>
+            </a:endParaRPr>
+          </a:p>
+        </p:txBody>
+      </p:sp>
+      <p:sp>
+        <p:nvSpPr>
+          <p:cNvPr id="15" name="타원 73"/>
+          <p:cNvSpPr/>
+          <p:nvPr/>
+        </p:nvSpPr>
+        <p:spPr>
+          <a:xfrm>
+            <a:off x="3938886" y="4077072"/>
+            <a:ext cx="209841" cy="175097"/>
+          </a:xfrm>
+          <a:prstGeom prst="ellipse">
+            <a:avLst/>
+          </a:prstGeom>
+          <a:solidFill>
+            <a:srgbClr val="C00000"/>
+          </a:solidFill>
+          <a:ln>
+            <a:solidFill>
+              <a:srgbClr val="C00000"/>
+            </a:solidFill>
+          </a:ln>
+        </p:spPr>
+        <p:style>
+          <a:lnRef idx="2">
+            <a:schemeClr val="accent1">
+              <a:shade val="50000"/>
+            </a:schemeClr>
+          </a:lnRef>
+          <a:fillRef idx="1">
+            <a:schemeClr val="accent1"/>
+          </a:fillRef>
+          <a:effectRef idx="0">
+            <a:schemeClr val="accent1"/>
+          </a:effectRef>
+          <a:fontRef idx="minor">
+            <a:schemeClr val="lt1"/>
+          </a:fontRef>
+        </p:style>
+        <p:txBody>
+          <a:bodyPr anchor="ctr"/>
+          <a:lstStyle/>
+          <a:p>
+            <a:pPr algn="ctr" eaLnBrk="1" latinLnBrk="1" hangingPunct="1">
+              <a:defRPr/>
+            </a:pPr>
+            <a:r>
+              <a:rPr lang="en-US" altLang="ko-KR" sz="1200" b="1" dirty="0" smtClean="0">
+                <a:latin typeface="맑은 고딕" pitchFamily="50" charset="-127"/>
+                <a:ea typeface="맑은 고딕" pitchFamily="50" charset="-127"/>
+              </a:rPr>
+              <a:t>4</a:t>
+            </a:r>
+            <a:endParaRPr lang="ko-KR" altLang="en-US" sz="1200" b="1" dirty="0">
+              <a:latin typeface="맑은 고딕" pitchFamily="50" charset="-127"/>
+              <a:ea typeface="맑은 고딕" pitchFamily="50" charset="-127"/>
+            </a:endParaRPr>
+          </a:p>
+        </p:txBody>
+      </p:sp>
+      <p:sp>
+        <p:nvSpPr>
+          <p:cNvPr id="13" name="타원 73"/>
+          <p:cNvSpPr/>
+          <p:nvPr/>
+        </p:nvSpPr>
+        <p:spPr>
+          <a:xfrm>
+            <a:off x="3134189" y="5657448"/>
+            <a:ext cx="209841" cy="175097"/>
+          </a:xfrm>
+          <a:prstGeom prst="ellipse">
+            <a:avLst/>
+          </a:prstGeom>
+          <a:solidFill>
+            <a:srgbClr val="C00000"/>
+          </a:solidFill>
+          <a:ln>
+            <a:solidFill>
+              <a:srgbClr val="C00000"/>
+            </a:solidFill>
+          </a:ln>
+        </p:spPr>
+        <p:style>
+          <a:lnRef idx="2">
+            <a:schemeClr val="accent1">
+              <a:shade val="50000"/>
+            </a:schemeClr>
+          </a:lnRef>
+          <a:fillRef idx="1">
+            <a:schemeClr val="accent1"/>
+          </a:fillRef>
+          <a:effectRef idx="0">
+            <a:schemeClr val="accent1"/>
+          </a:effectRef>
+          <a:fontRef idx="minor">
+            <a:schemeClr val="lt1"/>
+          </a:fontRef>
+        </p:style>
+        <p:txBody>
+          <a:bodyPr anchor="ctr"/>
+          <a:lstStyle/>
+          <a:p>
+            <a:pPr algn="ctr" eaLnBrk="1" latinLnBrk="1" hangingPunct="1">
+              <a:defRPr/>
+            </a:pPr>
+            <a:r>
+              <a:rPr lang="en-US" altLang="ko-KR" sz="1200" b="1" dirty="0" smtClean="0">
+                <a:latin typeface="맑은 고딕" pitchFamily="50" charset="-127"/>
+                <a:ea typeface="맑은 고딕" pitchFamily="50" charset="-127"/>
+              </a:rPr>
+              <a:t>5</a:t>
+            </a:r>
+            <a:endParaRPr lang="ko-KR" altLang="en-US" sz="1200" b="1" dirty="0">
+              <a:latin typeface="맑은 고딕" pitchFamily="50" charset="-127"/>
+              <a:ea typeface="맑은 고딕" pitchFamily="50" charset="-127"/>
+            </a:endParaRPr>
+          </a:p>
+        </p:txBody>
+      </p:sp>
+    </p:spTree>
+    <p:extLst>
+      <p:ext uri="{BB962C8B-B14F-4D97-AF65-F5344CB8AC3E}">
+        <p14:creationId xmlns:p14="http://schemas.microsoft.com/office/powerpoint/2010/main" val="3581406742"/>
       </p:ext>
     </p:extLst>
   </p:cSld>
